--- a/Photon Server/Assets/PPT Data/Photon Voice.pptx
+++ b/Photon Server/Assets/PPT Data/Photon Voice.pptx
@@ -2,19 +2,19 @@
 <file path=ppt/presentation.xml><?xml version="1.0" encoding="utf-8"?>
 <p:presentation xmlns:a="http://schemas.openxmlformats.org/drawingml/2006/main" xmlns:r="http://schemas.openxmlformats.org/officeDocument/2006/relationships" xmlns:p="http://schemas.openxmlformats.org/presentationml/2006/main" xmlns:p14="http://schemas.microsoft.com/office/powerpoint/2010/main" saveSubsetFonts="1" firstSlideNum="0">
   <p:sldMasterIdLst>
-    <p:sldMasterId id="2147486920" r:id="rId12"/>
+    <p:sldMasterId id="2147486928" r:id="rId12"/>
   </p:sldMasterIdLst>
   <p:notesMasterIdLst>
     <p:notesMasterId r:id="rId14"/>
   </p:notesMasterIdLst>
   <p:sldIdLst>
     <p:sldId id="313" r:id="rId16"/>
-    <p:sldId id="323" r:id="rId18"/>
+    <p:sldId id="323" r:id="rId17"/>
     <p:sldId id="314" r:id="rId19"/>
-    <p:sldId id="315" r:id="rId21"/>
-    <p:sldId id="316" r:id="rId23"/>
-    <p:sldId id="317" r:id="rId24"/>
-    <p:sldId id="318" r:id="rId26"/>
+    <p:sldId id="315" r:id="rId20"/>
+    <p:sldId id="324" r:id="rId21"/>
+    <p:sldId id="316" r:id="rId22"/>
+    <p:sldId id="317" r:id="rId23"/>
   </p:sldIdLst>
   <p:sldSz cx="12192000" cy="6858000"/>
   <p:notesSz cx="6858000" cy="9144000"/>
@@ -1071,7 +1071,7 @@
         <p:spPr>
           <a:xfrm rot="0">
             <a:off x="685800" y="1143000"/>
-            <a:ext cx="5493385" cy="3093085"/>
+            <a:ext cx="5494020" cy="3093720"/>
           </a:xfrm>
           <a:prstGeom prst="rect"/>
           <a:noFill/>
@@ -1110,7 +1110,7 @@
         <p:spPr>
           <a:xfrm rot="0">
             <a:off x="685800" y="4400550"/>
-            <a:ext cx="5493385" cy="3607435"/>
+            <a:ext cx="5494020" cy="3608070"/>
           </a:xfrm>
           <a:prstGeom prst="rect"/>
         </p:spPr>
@@ -1140,7 +1140,7 @@
         <p:spPr>
           <a:xfrm rot="0">
             <a:off x="3884930" y="8685530"/>
-            <a:ext cx="2978785" cy="465455"/>
+            <a:ext cx="2979420" cy="466090"/>
           </a:xfrm>
           <a:prstGeom prst="rect"/>
         </p:spPr>
@@ -6437,8 +6437,8 @@
         </p:nvSpPr>
         <p:spPr>
           <a:xfrm rot="0">
-            <a:off x="1229995" y="4321175"/>
-            <a:ext cx="4145915" cy="1784985"/>
+            <a:off x="1229995" y="4338320"/>
+            <a:ext cx="4146550" cy="1785620"/>
           </a:xfrm>
           <a:prstGeom prst="rect"/>
           <a:noFill/>
@@ -6496,21 +6496,7 @@
                 <a:latin typeface="맑은 고딕" charset="0"/>
                 <a:ea typeface="맑은 고딕" charset="0"/>
               </a:rPr>
-              <a:t> </a:t>
-            </a:r>
-            <a:r>
-              <a:rPr sz="1800">
-                <a:latin typeface="맑은 고딕" charset="0"/>
-                <a:ea typeface="맑은 고딕" charset="0"/>
-              </a:rPr>
-              <a:t>선택합니다.</a:t>
-            </a:r>
-            <a:r>
-              <a:rPr sz="1800">
-                <a:latin typeface="맑은 고딕" charset="0"/>
-                <a:ea typeface="맑은 고딕" charset="0"/>
-              </a:rPr>
-              <a:t> </a:t>
+              <a:t> 선택합니다. </a:t>
             </a:r>
             <a:endParaRPr lang="ko-KR" altLang="en-US" sz="1800">
               <a:latin typeface="맑은 고딕" charset="0"/>
@@ -6558,112 +6544,63 @@
                 <a:latin typeface="맑은 고딕" charset="0"/>
                 <a:ea typeface="맑은 고딕" charset="0"/>
               </a:rPr>
-              <a:t>Asset</a:t>
+              <a:t>Asset Store에서 </a:t>
+            </a:r>
+            <a:r>
+              <a:rPr lang="ko-KR" sz="1800">
+                <a:latin typeface="맑은 고딕" charset="0"/>
+                <a:ea typeface="맑은 고딕" charset="0"/>
+              </a:rPr>
+              <a:t>Photon Voice </a:t>
+            </a:r>
+            <a:r>
+              <a:rPr lang="ko-KR" sz="1800">
+                <a:latin typeface="맑은 고딕" charset="0"/>
+                <a:ea typeface="맑은 고딕" charset="0"/>
+              </a:rPr>
+              <a:t>2</a:t>
             </a:r>
             <a:r>
               <a:rPr sz="1800">
                 <a:latin typeface="맑은 고딕" charset="0"/>
                 <a:ea typeface="맑은 고딕" charset="0"/>
               </a:rPr>
-              <a:t> Store에서 </a:t>
+              <a:t>를</a:t>
+            </a:r>
+            <a:r>
+              <a:rPr sz="1800">
+                <a:latin typeface="맑은 고딕" charset="0"/>
+                <a:ea typeface="맑은 고딕" charset="0"/>
+              </a:rPr>
+              <a:t> 검색하고 </a:t>
             </a:r>
             <a:r>
               <a:rPr lang="ko-KR" sz="1800">
                 <a:latin typeface="맑은 고딕" charset="0"/>
                 <a:ea typeface="맑은 고딕" charset="0"/>
               </a:rPr>
-              <a:t>Photon</a:t>
-            </a:r>
-            <a:r>
-              <a:rPr lang="ko-KR" sz="1800">
-                <a:latin typeface="맑은 고딕" charset="0"/>
-                <a:ea typeface="맑은 고딕" charset="0"/>
-              </a:rPr>
-              <a:t> </a:t>
-            </a:r>
-            <a:r>
-              <a:rPr lang="ko-KR" sz="1800">
-                <a:latin typeface="맑은 고딕" charset="0"/>
-                <a:ea typeface="맑은 고딕" charset="0"/>
-              </a:rPr>
-              <a:t>Voice</a:t>
-            </a:r>
-            <a:r>
-              <a:rPr lang="ko-KR" sz="1800">
-                <a:latin typeface="맑은 고딕" charset="0"/>
-                <a:ea typeface="맑은 고딕" charset="0"/>
-              </a:rPr>
-              <a:t> </a:t>
-            </a:r>
-            <a:r>
-              <a:rPr lang="ko-KR" sz="1800">
-                <a:latin typeface="맑은 고딕" charset="0"/>
-                <a:ea typeface="맑은 고딕" charset="0"/>
-              </a:rPr>
-              <a:t>2</a:t>
+              <a:t>Photon Voice 2</a:t>
             </a:r>
             <a:r>
               <a:rPr sz="1800">
                 <a:latin typeface="맑은 고딕" charset="0"/>
                 <a:ea typeface="맑은 고딕" charset="0"/>
               </a:rPr>
-              <a:t>를</a:t>
+              <a:t> - FREE </a:t>
             </a:r>
             <a:r>
               <a:rPr sz="1800">
                 <a:latin typeface="맑은 고딕" charset="0"/>
                 <a:ea typeface="맑은 고딕" charset="0"/>
               </a:rPr>
-              <a:t> </a:t>
+              <a:t>에셋을</a:t>
             </a:r>
             <a:r>
               <a:rPr sz="1800">
                 <a:latin typeface="맑은 고딕" charset="0"/>
                 <a:ea typeface="맑은 고딕" charset="0"/>
               </a:rPr>
-              <a:t>검색하고</a:t>
-            </a:r>
-            <a:r>
-              <a:rPr sz="1800">
-                <a:latin typeface="맑은 고딕" charset="0"/>
-                <a:ea typeface="맑은 고딕" charset="0"/>
-              </a:rPr>
-              <a:t> </a:t>
-            </a:r>
-            <a:r>
-              <a:rPr lang="ko-KR" sz="1800">
-                <a:latin typeface="맑은 고딕" charset="0"/>
-                <a:ea typeface="맑은 고딕" charset="0"/>
-              </a:rPr>
-              <a:t>Photon Voice 2</a:t>
-            </a:r>
-            <a:r>
-              <a:rPr sz="1800">
-                <a:latin typeface="맑은 고딕" charset="0"/>
-                <a:ea typeface="맑은 고딕" charset="0"/>
-              </a:rPr>
-              <a:t> - FREE </a:t>
-            </a:r>
-            <a:r>
-              <a:rPr sz="1800">
-                <a:latin typeface="맑은 고딕" charset="0"/>
-                <a:ea typeface="맑은 고딕" charset="0"/>
-              </a:rPr>
-              <a:t>에셋을</a:t>
-            </a:r>
-            <a:r>
-              <a:rPr sz="1800">
-                <a:latin typeface="맑은 고딕" charset="0"/>
-                <a:ea typeface="맑은 고딕" charset="0"/>
-              </a:rPr>
-              <a:t> </a:t>
-            </a:r>
-            <a:r>
-              <a:rPr sz="1800">
-                <a:latin typeface="맑은 고딕" charset="0"/>
-                <a:ea typeface="맑은 고딕" charset="0"/>
-              </a:rPr>
-              <a:t>선택합니다.</a:t>
+              <a:t> 선택합니다.</a:t>
             </a:r>
             <a:endParaRPr lang="ko-KR" altLang="en-US" sz="1800">
               <a:latin typeface="맑은 고딕" charset="0"/>
@@ -6674,7 +6611,7 @@
       </p:sp>
       <p:pic>
         <p:nvPicPr>
-          <p:cNvPr id="29" name="그림 2" descr="C:/Users/Admin1/AppData/Roaming/PolarisOffice/ETemp/26488_11137448/fImage1104821541.png"/>
+          <p:cNvPr id="29" name="그림 2" descr="C:/Users/Admin1/AppData/Roaming/PolarisOffice/ETemp/14056_22210064/fImage1104821541.png"/>
           <p:cNvPicPr>
             <a:picLocks noChangeAspect="1"/>
           </p:cNvPicPr>
@@ -6695,15 +6632,17 @@
         <p:spPr>
           <a:xfrm rot="0">
             <a:off x="1231900" y="1438275"/>
-            <a:ext cx="1987550" cy="2766060"/>
-          </a:xfrm>
-          <a:prstGeom prst="rect"/>
-          <a:noFill/>
+            <a:ext cx="1988185" cy="2766695"/>
+          </a:xfrm>
+          <a:prstGeom prst="roundRect"/>
+          <a:solidFill>
+            <a:srgbClr val="EDEDED"/>
+          </a:solidFill>
         </p:spPr>
       </p:pic>
       <p:pic>
         <p:nvPicPr>
-          <p:cNvPr id="30" name="그림 4" descr="C:/Users/Admin1/AppData/Roaming/PolarisOffice/ETemp/26488_11137448/fImage441292178467.png"/>
+          <p:cNvPr id="30" name="그림 4" descr="C:/Users/Admin1/AppData/Roaming/PolarisOffice/ETemp/14056_22210064/fImage441292178467.png"/>
           <p:cNvPicPr>
             <a:picLocks noChangeAspect="1"/>
           </p:cNvPicPr>
@@ -6724,15 +6663,17 @@
         <p:spPr>
           <a:xfrm rot="0">
             <a:off x="3465830" y="1447165"/>
-            <a:ext cx="1913890" cy="2765425"/>
-          </a:xfrm>
-          <a:prstGeom prst="rect"/>
-          <a:noFill/>
+            <a:ext cx="1914525" cy="2766060"/>
+          </a:xfrm>
+          <a:prstGeom prst="roundRect"/>
+          <a:solidFill>
+            <a:srgbClr val="EDEDED"/>
+          </a:solidFill>
         </p:spPr>
       </p:pic>
       <p:pic>
         <p:nvPicPr>
-          <p:cNvPr id="31" name="그림 7" descr="C:/Users/Admin1/AppData/Roaming/PolarisOffice/ETemp/26488_11137448/fImage3449292186334.png"/>
+          <p:cNvPr id="31" name="그림 7" descr="C:/Users/Admin1/AppData/Roaming/PolarisOffice/ETemp/14056_22210064/fImage3449292186334.png"/>
           <p:cNvPicPr>
             <a:picLocks noChangeAspect="1"/>
           </p:cNvPicPr>
@@ -6753,10 +6694,12 @@
         <p:spPr>
           <a:xfrm rot="0">
             <a:off x="6824345" y="1438275"/>
-            <a:ext cx="4124960" cy="3885565"/>
-          </a:xfrm>
-          <a:prstGeom prst="rect"/>
-          <a:noFill/>
+            <a:ext cx="4133215" cy="3886200"/>
+          </a:xfrm>
+          <a:prstGeom prst="roundRect"/>
+          <a:solidFill>
+            <a:srgbClr val="EDEDED"/>
+          </a:solidFill>
         </p:spPr>
       </p:pic>
       <p:sp>
@@ -6769,8 +6712,8 @@
         </p:nvSpPr>
         <p:spPr>
           <a:xfrm rot="0">
-            <a:off x="6824980" y="5518150"/>
-            <a:ext cx="4132580" cy="585470"/>
+            <a:off x="6816090" y="5535295"/>
+            <a:ext cx="4133215" cy="586105"/>
           </a:xfrm>
           <a:prstGeom prst="rect"/>
           <a:noFill/>
@@ -6793,7 +6736,7 @@
                 <a:latin typeface="맑은 고딕" charset="0"/>
                 <a:ea typeface="맑은 고딕" charset="0"/>
               </a:rPr>
-              <a:t>2</a:t>
+              <a:t>2.</a:t>
             </a:r>
             <a:r>
               <a:rPr sz="2000" b="1">
@@ -6803,16 +6746,6 @@
                 <a:latin typeface="맑은 고딕" charset="0"/>
                 <a:ea typeface="맑은 고딕" charset="0"/>
               </a:rPr>
-              <a:t>.</a:t>
-            </a:r>
-            <a:r>
-              <a:rPr sz="2000" b="1">
-                <a:solidFill>
-                  <a:srgbClr val="0611F2"/>
-                </a:solidFill>
-                <a:latin typeface="맑은 고딕" charset="0"/>
-                <a:ea typeface="맑은 고딕" charset="0"/>
-              </a:rPr>
               <a:t> </a:t>
             </a:r>
             <a:r>
@@ -6855,14 +6788,7 @@
                 <a:latin typeface="맑은 고딕" charset="0"/>
                 <a:ea typeface="맑은 고딕" charset="0"/>
               </a:rPr>
-              <a:t> </a:t>
-            </a:r>
-            <a:r>
-              <a:rPr sz="1800">
-                <a:latin typeface="맑은 고딕" charset="0"/>
-                <a:ea typeface="맑은 고딕" charset="0"/>
-              </a:rPr>
-              <a:t>Import합니다.</a:t>
+              <a:t> Import합니다.</a:t>
             </a:r>
             <a:endParaRPr lang="ko-KR" altLang="en-US" sz="1800">
               <a:latin typeface="맑은 고딕" charset="0"/>
@@ -7528,7 +7454,7 @@
       </p:sp>
       <p:pic>
         <p:nvPicPr>
-          <p:cNvPr id="29" name="그림 14" descr="C:/Users/Admin1/AppData/Roaming/PolarisOffice/ETemp/26488_11137448/fImage2556320341.png"/>
+          <p:cNvPr id="29" name="그림 14" descr="C:/Users/Admin1/AppData/Roaming/PolarisOffice/ETemp/14056_22210064/fImage2556320341.png"/>
           <p:cNvPicPr>
             <a:picLocks noChangeAspect="1"/>
           </p:cNvPicPr>
@@ -7548,8 +7474,8 @@
         </p:blipFill>
         <p:spPr>
           <a:xfrm rot="0">
-            <a:off x="1224915" y="3462655"/>
-            <a:ext cx="4156710" cy="1912620"/>
+            <a:off x="1224915" y="3549015"/>
+            <a:ext cx="4157345" cy="1826895"/>
           </a:xfrm>
           <a:prstGeom prst="roundRect"/>
           <a:solidFill>
@@ -7568,7 +7494,7 @@
         <p:spPr>
           <a:xfrm rot="0">
             <a:off x="6804660" y="4439920"/>
-            <a:ext cx="4135120" cy="1754505"/>
+            <a:ext cx="4135755" cy="1755140"/>
           </a:xfrm>
           <a:prstGeom prst="rect"/>
           <a:noFill/>
@@ -7595,17 +7521,7 @@
                 <a:latin typeface="맑은 고딕" charset="0"/>
                 <a:ea typeface="맑은 고딕" charset="0"/>
               </a:rPr>
-              <a:t>7</a:t>
-            </a:r>
-            <a:r>
-              <a:rPr sz="1800" b="1">
-                <a:solidFill>
-                  <a:srgbClr val="0611F2"/>
-                </a:solidFill>
-                <a:latin typeface="맑은 고딕" charset="0"/>
-                <a:ea typeface="맑은 고딕" charset="0"/>
-              </a:rPr>
-              <a:t>.</a:t>
+              <a:t>7.</a:t>
             </a:r>
             <a:r>
               <a:rPr sz="1800">
@@ -7626,49 +7542,28 @@
                 <a:latin typeface="맑은 고딕" charset="0"/>
                 <a:ea typeface="맑은 고딕" charset="0"/>
               </a:rPr>
-              <a:t> </a:t>
-            </a:r>
-            <a:r>
-              <a:rPr sz="1800">
-                <a:latin typeface="맑은 고딕" charset="0"/>
-                <a:ea typeface="맑은 고딕" charset="0"/>
-              </a:rPr>
-              <a:t>Select Application</a:t>
+              <a:t> Select Application</a:t>
             </a:r>
             <a:r>
               <a:rPr lang="ko-KR" sz="1800">
                 <a:latin typeface="맑은 고딕" charset="0"/>
                 <a:ea typeface="맑은 고딕" charset="0"/>
               </a:rPr>
-              <a:t> </a:t>
+              <a:t> Type을 </a:t>
             </a:r>
             <a:r>
               <a:rPr lang="ko-KR" sz="1800">
                 <a:latin typeface="맑은 고딕" charset="0"/>
                 <a:ea typeface="맑은 고딕" charset="0"/>
               </a:rPr>
-              <a:t>Type을 </a:t>
+              <a:t>Non-Gaming</a:t>
             </a:r>
             <a:r>
               <a:rPr lang="ko-KR" sz="1800">
                 <a:latin typeface="맑은 고딕" charset="0"/>
                 <a:ea typeface="맑은 고딕" charset="0"/>
               </a:rPr>
-              <a:t>Non-Gaming</a:t>
-            </a:r>
-            <a:r>
-              <a:rPr lang="ko-KR" sz="1800">
-                <a:latin typeface="맑은 고딕" charset="0"/>
-                <a:ea typeface="맑은 고딕" charset="0"/>
-              </a:rPr>
-              <a:t> App으로 설정합니</a:t>
-            </a:r>
-            <a:r>
-              <a:rPr lang="ko-KR" sz="1800">
-                <a:latin typeface="맑은 고딕" charset="0"/>
-                <a:ea typeface="맑은 고딕" charset="0"/>
-              </a:rPr>
-              <a:t>다.</a:t>
+              <a:t> App으로 설정합니다.</a:t>
             </a:r>
             <a:endParaRPr lang="ko-KR" altLang="en-US" sz="1800">
               <a:latin typeface="맑은 고딕" charset="0"/>
@@ -7695,28 +7590,14 @@
                 <a:latin typeface="맑은 고딕" charset="0"/>
                 <a:ea typeface="맑은 고딕" charset="0"/>
               </a:rPr>
-              <a:t>그</a:t>
+              <a:t>그런</a:t>
             </a:r>
             <a:r>
               <a:rPr lang="ko-KR" sz="1800">
                 <a:latin typeface="맑은 고딕" charset="0"/>
                 <a:ea typeface="맑은 고딕" charset="0"/>
               </a:rPr>
-              <a:t>런</a:t>
-            </a:r>
-            <a:r>
-              <a:rPr lang="ko-KR" sz="1800">
-                <a:latin typeface="맑은 고딕" charset="0"/>
-                <a:ea typeface="맑은 고딕" charset="0"/>
-              </a:rPr>
-              <a:t> </a:t>
-            </a:r>
-            <a:r>
-              <a:rPr lang="ko-KR" sz="1800">
-                <a:latin typeface="맑은 고딕" charset="0"/>
-                <a:ea typeface="맑은 고딕" charset="0"/>
-              </a:rPr>
-              <a:t>다음 </a:t>
+              <a:t> 다음 </a:t>
             </a:r>
             <a:r>
               <a:rPr sz="1800">
@@ -7730,28 +7611,14 @@
                 <a:latin typeface="맑은 고딕" charset="0"/>
                 <a:ea typeface="맑은 고딕" charset="0"/>
               </a:rPr>
-              <a:t>Voice</a:t>
+              <a:t>Voice로</a:t>
             </a:r>
             <a:r>
               <a:rPr sz="1800">
                 <a:latin typeface="맑은 고딕" charset="0"/>
                 <a:ea typeface="맑은 고딕" charset="0"/>
               </a:rPr>
-              <a:t>로</a:t>
-            </a:r>
-            <a:r>
-              <a:rPr sz="1800">
-                <a:latin typeface="맑은 고딕" charset="0"/>
-                <a:ea typeface="맑은 고딕" charset="0"/>
-              </a:rPr>
-              <a:t> </a:t>
-            </a:r>
-            <a:r>
-              <a:rPr sz="1800">
-                <a:latin typeface="맑은 고딕" charset="0"/>
-                <a:ea typeface="맑은 고딕" charset="0"/>
-              </a:rPr>
-              <a:t>선택한 다음 CREATE를 </a:t>
+              <a:t> 선택한 다음 CREATE를 </a:t>
             </a:r>
             <a:r>
               <a:rPr sz="1800">
@@ -7784,7 +7651,7 @@
         </p:nvSpPr>
         <p:spPr>
           <a:xfrm rot="0">
-            <a:off x="1223010" y="2671445"/>
+            <a:off x="1223010" y="2808605"/>
             <a:ext cx="4152900" cy="647065"/>
           </a:xfrm>
           <a:prstGeom prst="rect"/>
@@ -7812,52 +7679,28 @@
                 <a:latin typeface="맑은 고딕" charset="0"/>
                 <a:ea typeface="맑은 고딕" charset="0"/>
               </a:rPr>
-              <a:t>5</a:t>
-            </a:r>
-            <a:r>
-              <a:rPr sz="1800" b="1">
-                <a:solidFill>
-                  <a:srgbClr val="0611F2"/>
-                </a:solidFill>
-                <a:latin typeface="맑은 고딕" charset="0"/>
-                <a:ea typeface="맑은 고딕" charset="0"/>
-              </a:rPr>
-              <a:t>.</a:t>
+              <a:t>5.</a:t>
             </a:r>
             <a:r>
               <a:rPr lang="ko-KR" sz="1800">
                 <a:latin typeface="맑은 고딕" charset="0"/>
                 <a:ea typeface="맑은 고딕" charset="0"/>
               </a:rPr>
-              <a:t> 그러고 나서 </a:t>
+              <a:t> 그러고 나서 Photon Voice Network </a:t>
             </a:r>
             <a:r>
               <a:rPr lang="ko-KR" sz="1800">
                 <a:latin typeface="맑은 고딕" charset="0"/>
                 <a:ea typeface="맑은 고딕" charset="0"/>
               </a:rPr>
-              <a:t>Photon Voice Network </a:t>
+              <a:t>컴포넌트를</a:t>
             </a:r>
             <a:r>
               <a:rPr lang="ko-KR" sz="1800">
                 <a:latin typeface="맑은 고딕" charset="0"/>
                 <a:ea typeface="맑은 고딕" charset="0"/>
               </a:rPr>
-              <a:t>컴포넌트를</a:t>
-            </a:r>
-            <a:r>
-              <a:rPr lang="ko-KR" sz="1800">
-                <a:latin typeface="맑은 고딕" charset="0"/>
-                <a:ea typeface="맑은 고딕" charset="0"/>
-              </a:rPr>
-              <a:t> </a:t>
-            </a:r>
-            <a:r>
-              <a:rPr lang="ko-KR" sz="1800">
-                <a:latin typeface="맑은 고딕" charset="0"/>
-                <a:ea typeface="맑은 고딕" charset="0"/>
-              </a:rPr>
-              <a:t>추가합니다.</a:t>
+              <a:t> 추가합니다.</a:t>
             </a:r>
             <a:endParaRPr lang="ko-KR" altLang="en-US" sz="1800">
               <a:latin typeface="맑은 고딕" charset="0"/>
@@ -7868,7 +7711,7 @@
       </p:sp>
       <p:pic>
         <p:nvPicPr>
-          <p:cNvPr id="36" name="그림 45" descr="C:/Users/Admin1/AppData/Roaming/PolarisOffice/ETemp/26488_11137448/fImage57722359169.png"/>
+          <p:cNvPr id="36" name="그림 45" descr="C:/Users/Admin1/AppData/Roaming/PolarisOffice/ETemp/14056_22210064/fImage57722359169.png"/>
           <p:cNvPicPr>
             <a:picLocks noChangeAspect="1"/>
           </p:cNvPicPr>
@@ -7889,7 +7732,7 @@
         <p:spPr>
           <a:xfrm rot="0">
             <a:off x="1223645" y="1447165"/>
-            <a:ext cx="4152265" cy="1094740"/>
+            <a:ext cx="4152900" cy="1249680"/>
           </a:xfrm>
           <a:prstGeom prst="roundRect"/>
           <a:solidFill>
@@ -7899,17 +7742,17 @@
       </p:pic>
       <p:pic>
         <p:nvPicPr>
-          <p:cNvPr id="37" name="그림 14" descr="C:/Users/Admin1/AppData/Roaming/PolarisOffice/ETemp/26488_11137448/fImage576731318467.png"/>
+          <p:cNvPr id="37" name="그림 14" descr="C:/Users/Admin1/AppData/Roaming/PolarisOffice/ETemp/14056_22210064/fImage576731318467.png"/>
           <p:cNvPicPr>
             <a:picLocks noChangeAspect="1"/>
           </p:cNvPicPr>
           <p:nvPr/>
         </p:nvPicPr>
         <p:blipFill rotWithShape="1">
-          <a:blip r:embed="rId9" cstate="print">
+          <a:blip r:embed="rId9" cstate="hqprint">
             <a:extLst>
               <a:ext uri="{28A0092B-C50C-407E-A947-70E740481C1C}">
-                <a14:useLocalDpi xmlns:a14="http://schemas.microsoft.com/office/drawing/2010/main" val="0"/>
+                <a14:useLocalDpi xmlns:a14="http://schemas.microsoft.com/office/drawing/2010/main"/>
               </a:ext>
             </a:extLst>
           </a:blip>
@@ -7920,10 +7763,12 @@
         <p:spPr>
           <a:xfrm rot="0">
             <a:off x="6805295" y="1438275"/>
-            <a:ext cx="4143375" cy="2774315"/>
-          </a:xfrm>
-          <a:prstGeom prst="rect"/>
-          <a:noFill/>
+            <a:ext cx="4144010" cy="2774315"/>
+          </a:xfrm>
+          <a:prstGeom prst="roundRect"/>
+          <a:solidFill>
+            <a:srgbClr val="EDEDED"/>
+          </a:solidFill>
         </p:spPr>
       </p:pic>
     </p:spTree>
@@ -8026,9 +7871,9 @@
           <p:nvPr/>
         </p:nvSpPr>
         <p:spPr>
-          <a:xfrm rot="0">
+          <a:xfrm>
             <a:off x="1255395" y="5238750"/>
-            <a:ext cx="4111625" cy="923925"/>
+            <a:ext cx="4112260" cy="923925"/>
           </a:xfrm>
           <a:prstGeom prst="rect"/>
           <a:noFill/>
@@ -8055,37 +7900,41 @@
                 <a:latin typeface="맑은 고딕" charset="0"/>
                 <a:ea typeface="맑은 고딕" charset="0"/>
               </a:rPr>
-              <a:t>8</a:t>
-            </a:r>
-            <a:r>
-              <a:rPr sz="1800" b="1">
-                <a:solidFill>
-                  <a:srgbClr val="0611F2"/>
-                </a:solidFill>
-                <a:latin typeface="맑은 고딕" charset="0"/>
-                <a:ea typeface="맑은 고딕" charset="0"/>
-              </a:rPr>
-              <a:t>.</a:t>
+              <a:t>8.</a:t>
             </a:r>
             <a:r>
               <a:rPr sz="1800">
                 <a:latin typeface="맑은 고딕" charset="0"/>
                 <a:ea typeface="맑은 고딕" charset="0"/>
               </a:rPr>
-              <a:t> 그다음 Window에서 Photon </a:t>
+              <a:t> 그다음 Window에서 Photon Unity </a:t>
             </a:r>
             <a:r>
               <a:rPr sz="1800">
                 <a:latin typeface="맑은 고딕" charset="0"/>
                 <a:ea typeface="맑은 고딕" charset="0"/>
               </a:rPr>
-              <a:t>Unity</a:t>
+              <a:t>Networking을</a:t>
             </a:r>
             <a:r>
               <a:rPr sz="1800">
                 <a:latin typeface="맑은 고딕" charset="0"/>
                 <a:ea typeface="맑은 고딕" charset="0"/>
               </a:rPr>
+              <a:t> 선택하고 Highlight </a:t>
+            </a:r>
+            <a:r>
+              <a:rPr sz="1800">
+                <a:latin typeface="맑은 고딕" charset="0"/>
+                <a:ea typeface="맑은 고딕" charset="0"/>
+              </a:rPr>
+              <a:t>Server</a:t>
+            </a:r>
+            <a:r>
+              <a:rPr sz="1800">
+                <a:latin typeface="맑은 고딕" charset="0"/>
+                <a:ea typeface="맑은 고딕" charset="0"/>
+              </a:rPr>
               <a:t> </a:t>
             </a:r>
             <a:r>
@@ -8093,63 +7942,14 @@
                 <a:latin typeface="맑은 고딕" charset="0"/>
                 <a:ea typeface="맑은 고딕" charset="0"/>
               </a:rPr>
-              <a:t>Networking을</a:t>
+              <a:t>Settings를</a:t>
             </a:r>
             <a:r>
               <a:rPr sz="1800">
                 <a:latin typeface="맑은 고딕" charset="0"/>
                 <a:ea typeface="맑은 고딕" charset="0"/>
               </a:rPr>
-              <a:t> 선택한 다음 </a:t>
-            </a:r>
-            <a:r>
-              <a:rPr sz="1800">
-                <a:latin typeface="맑은 고딕" charset="0"/>
-                <a:ea typeface="맑은 고딕" charset="0"/>
-              </a:rPr>
-              <a:t>Highlight</a:t>
-            </a:r>
-            <a:r>
-              <a:rPr sz="1800">
-                <a:latin typeface="맑은 고딕" charset="0"/>
-                <a:ea typeface="맑은 고딕" charset="0"/>
-              </a:rPr>
-              <a:t> </a:t>
-            </a:r>
-            <a:r>
-              <a:rPr sz="1800">
-                <a:latin typeface="맑은 고딕" charset="0"/>
-                <a:ea typeface="맑은 고딕" charset="0"/>
-              </a:rPr>
-              <a:t>Server</a:t>
-            </a:r>
-            <a:r>
-              <a:rPr sz="1800">
-                <a:latin typeface="맑은 고딕" charset="0"/>
-                <a:ea typeface="맑은 고딕" charset="0"/>
-              </a:rPr>
-              <a:t> </a:t>
-            </a:r>
-            <a:r>
-              <a:rPr sz="1800">
-                <a:latin typeface="맑은 고딕" charset="0"/>
-                <a:ea typeface="맑은 고딕" charset="0"/>
-              </a:rPr>
-              <a:t>Settings를</a:t>
-            </a:r>
-            <a:r>
-              <a:rPr sz="1800">
-                <a:latin typeface="맑은 고딕" charset="0"/>
-                <a:ea typeface="맑은 고딕" charset="0"/>
-              </a:rPr>
-              <a:t> </a:t>
-            </a:r>
-            <a:r>
-              <a:rPr sz="1800">
-                <a:latin typeface="맑은 고딕" charset="0"/>
-                <a:ea typeface="맑은 고딕" charset="0"/>
-              </a:rPr>
-              <a:t>선택합니다.</a:t>
+              <a:t> 선택합니다.</a:t>
             </a:r>
             <a:endParaRPr lang="ko-KR" altLang="en-US" sz="1800">
               <a:latin typeface="맑은 고딕" charset="0"/>
@@ -8168,8 +7968,8 @@
         </p:nvSpPr>
         <p:spPr>
           <a:xfrm rot="0">
-            <a:off x="6822440" y="2973070"/>
-            <a:ext cx="4144010" cy="923925"/>
+            <a:off x="6813550" y="5238750"/>
+            <a:ext cx="4135120" cy="923925"/>
           </a:xfrm>
           <a:prstGeom prst="rect"/>
           <a:noFill/>
@@ -8196,17 +7996,7 @@
                 <a:latin typeface="맑은 고딕" charset="0"/>
                 <a:ea typeface="맑은 고딕" charset="0"/>
               </a:rPr>
-              <a:t>9</a:t>
-            </a:r>
-            <a:r>
-              <a:rPr sz="1800" b="1">
-                <a:solidFill>
-                  <a:srgbClr val="0611F2"/>
-                </a:solidFill>
-                <a:latin typeface="맑은 고딕" charset="0"/>
-                <a:ea typeface="맑은 고딕" charset="0"/>
-              </a:rPr>
-              <a:t>.</a:t>
+              <a:t>9.</a:t>
             </a:r>
             <a:r>
               <a:rPr sz="1800">
@@ -8234,14 +8024,14 @@
                 <a:latin typeface="맑은 고딕" charset="0"/>
                 <a:ea typeface="맑은 고딕" charset="0"/>
               </a:rPr>
-              <a:t>Settings에</a:t>
+              <a:t>Settings</a:t>
             </a:r>
             <a:r>
               <a:rPr lang="ko-KR" sz="1800">
                 <a:latin typeface="맑은 고딕" charset="0"/>
                 <a:ea typeface="맑은 고딕" charset="0"/>
               </a:rPr>
-              <a:t>서</a:t>
+              <a:t>의</a:t>
             </a:r>
             <a:r>
               <a:rPr sz="1800">
@@ -8255,14 +8045,28 @@
                 <a:latin typeface="맑은 고딕" charset="0"/>
                 <a:ea typeface="맑은 고딕" charset="0"/>
               </a:rPr>
-              <a:t>App Id Voice를</a:t>
+              <a:t>App</a:t>
             </a:r>
             <a:r>
               <a:rPr sz="1800">
                 <a:latin typeface="맑은 고딕" charset="0"/>
                 <a:ea typeface="맑은 고딕" charset="0"/>
               </a:rPr>
-              <a:t> </a:t>
+              <a:t> Id Voice에 Photon </a:t>
+            </a:r>
+            <a:r>
+              <a:rPr sz="1800">
+                <a:latin typeface="맑은 고딕" charset="0"/>
+                <a:ea typeface="맑은 고딕" charset="0"/>
+              </a:rPr>
+              <a:t>Voice</a:t>
+            </a:r>
+            <a:r>
+              <a:rPr sz="1800">
+                <a:latin typeface="맑은 고딕" charset="0"/>
+                <a:ea typeface="맑은 고딕" charset="0"/>
+              </a:rPr>
+              <a:t> ID를 </a:t>
             </a:r>
             <a:r>
               <a:rPr sz="1800">
@@ -8280,7 +8084,7 @@
       </p:sp>
       <p:pic>
         <p:nvPicPr>
-          <p:cNvPr id="32" name="그림 38" descr="C:/Users/Admin1/AppData/Roaming/PolarisOffice/ETemp/26488_11137448/fImage234722315724.png"/>
+          <p:cNvPr id="32" name="그림 38"/>
           <p:cNvPicPr>
             <a:picLocks noChangeAspect="1"/>
           </p:cNvPicPr>
@@ -8311,17 +8115,17 @@
       </p:pic>
       <p:pic>
         <p:nvPicPr>
-          <p:cNvPr id="33" name="그림 51" descr="C:/Users/Admin1/AppData/Roaming/PolarisOffice/ETemp/26488_11137448/fImage195862381478.png"/>
+          <p:cNvPr id="33" name="그림 9" descr="C:/Users/Admin1/AppData/Roaming/PolarisOffice/ETemp/14056_22210064/fImage2530919241.png"/>
           <p:cNvPicPr>
             <a:picLocks noChangeAspect="1"/>
           </p:cNvPicPr>
           <p:nvPr/>
         </p:nvPicPr>
         <p:blipFill rotWithShape="1">
-          <a:blip r:embed="rId3" cstate="hqprint">
+          <a:blip r:embed="rId7" cstate="print">
             <a:extLst>
               <a:ext uri="{28A0092B-C50C-407E-A947-70E740481C1C}">
-                <a14:useLocalDpi xmlns:a14="http://schemas.microsoft.com/office/drawing/2010/main"/>
+                <a14:useLocalDpi xmlns:a14="http://schemas.microsoft.com/office/drawing/2010/main" val="0"/>
               </a:ext>
             </a:extLst>
           </a:blip>
@@ -8331,8 +8135,8 @@
         </p:blipFill>
         <p:spPr>
           <a:xfrm rot="0">
-            <a:off x="6822440" y="1447165"/>
-            <a:ext cx="4143375" cy="1387475"/>
+            <a:off x="6814820" y="1464310"/>
+            <a:ext cx="4133850" cy="3566795"/>
           </a:xfrm>
           <a:prstGeom prst="roundRect"/>
           <a:solidFill>
@@ -8340,153 +8144,6 @@
           </a:solidFill>
         </p:spPr>
       </p:pic>
-      <p:pic>
-        <p:nvPicPr>
-          <p:cNvPr id="34" name="그림 53" descr="C:/Users/Admin1/AppData/Roaming/PolarisOffice/ETemp/26488_11137448/fImage47782419358.png"/>
-          <p:cNvPicPr>
-            <a:picLocks noChangeAspect="1"/>
-          </p:cNvPicPr>
-          <p:nvPr/>
-        </p:nvPicPr>
-        <p:blipFill rotWithShape="1">
-          <a:blip r:embed="rId4" cstate="hqprint">
-            <a:extLst>
-              <a:ext uri="{28A0092B-C50C-407E-A947-70E740481C1C}">
-                <a14:useLocalDpi xmlns:a14="http://schemas.microsoft.com/office/drawing/2010/main"/>
-              </a:ext>
-            </a:extLst>
-          </a:blip>
-          <a:stretch>
-            <a:fillRect/>
-          </a:stretch>
-        </p:blipFill>
-        <p:spPr>
-          <a:xfrm rot="0">
-            <a:off x="6830695" y="4022725"/>
-            <a:ext cx="4135120" cy="1059815"/>
-          </a:xfrm>
-          <a:prstGeom prst="roundRect"/>
-          <a:solidFill>
-            <a:srgbClr val="EDEDED"/>
-          </a:solidFill>
-        </p:spPr>
-      </p:pic>
-      <p:sp>
-        <p:nvSpPr>
-          <p:cNvPr id="36" name="텍스트 상자 55"/>
-          <p:cNvSpPr txBox="1">
-            <a:spLocks/>
-          </p:cNvSpPr>
-          <p:nvPr/>
-        </p:nvSpPr>
-        <p:spPr>
-          <a:xfrm rot="0">
-            <a:off x="6830695" y="5231130"/>
-            <a:ext cx="4135120" cy="923925"/>
-          </a:xfrm>
-          <a:prstGeom prst="rect"/>
-          <a:noFill/>
-          <a:ln w="0">
-            <a:noFill/>
-            <a:prstDash/>
-          </a:ln>
-        </p:spPr>
-        <p:txBody>
-          <a:bodyPr wrap="square" lIns="89535" tIns="46355" rIns="89535" bIns="46355" numCol="1" vert="horz" anchor="t">
-            <a:spAutoFit/>
-          </a:bodyPr>
-          <a:lstStyle/>
-          <a:p>
-            <a:pPr marL="0" indent="0" rtl="0" algn="l" defTabSz="914400" eaLnBrk="1" latinLnBrk="0" hangingPunct="1">
-              <a:buFontTx/>
-              <a:buNone/>
-            </a:pPr>
-            <a:r>
-              <a:rPr sz="1800" b="1">
-                <a:solidFill>
-                  <a:srgbClr val="0611F2"/>
-                </a:solidFill>
-                <a:latin typeface="맑은 고딕" charset="0"/>
-                <a:ea typeface="맑은 고딕" charset="0"/>
-              </a:rPr>
-              <a:t>1</a:t>
-            </a:r>
-            <a:r>
-              <a:rPr sz="1800" b="1">
-                <a:solidFill>
-                  <a:srgbClr val="0611F2"/>
-                </a:solidFill>
-                <a:latin typeface="맑은 고딕" charset="0"/>
-                <a:ea typeface="맑은 고딕" charset="0"/>
-              </a:rPr>
-              <a:t>0</a:t>
-            </a:r>
-            <a:r>
-              <a:rPr sz="1800" b="1">
-                <a:solidFill>
-                  <a:srgbClr val="0611F2"/>
-                </a:solidFill>
-                <a:latin typeface="맑은 고딕" charset="0"/>
-                <a:ea typeface="맑은 고딕" charset="0"/>
-              </a:rPr>
-              <a:t>.</a:t>
-            </a:r>
-            <a:r>
-              <a:rPr sz="1800">
-                <a:latin typeface="맑은 고딕" charset="0"/>
-                <a:ea typeface="맑은 고딕" charset="0"/>
-              </a:rPr>
-              <a:t> </a:t>
-            </a:r>
-            <a:r>
-              <a:rPr lang="ko-KR" sz="1800">
-                <a:latin typeface="맑은 고딕" charset="0"/>
-                <a:ea typeface="맑은 고딕" charset="0"/>
-              </a:rPr>
-              <a:t>이제 Network Voice Manager </a:t>
-            </a:r>
-            <a:r>
-              <a:rPr lang="ko-KR" sz="1800">
-                <a:latin typeface="맑은 고딕" charset="0"/>
-                <a:ea typeface="맑은 고딕" charset="0"/>
-              </a:rPr>
-              <a:t>오브젝트에</a:t>
-            </a:r>
-            <a:r>
-              <a:rPr lang="ko-KR" sz="1800">
-                <a:latin typeface="맑은 고딕" charset="0"/>
-                <a:ea typeface="맑은 고딕" charset="0"/>
-              </a:rPr>
-              <a:t> </a:t>
-            </a:r>
-            <a:r>
-              <a:rPr lang="ko-KR" sz="1800">
-                <a:latin typeface="맑은 고딕" charset="0"/>
-                <a:ea typeface="맑은 고딕" charset="0"/>
-              </a:rPr>
-              <a:t>Recorder</a:t>
-            </a:r>
-            <a:r>
-              <a:rPr lang="ko-KR" sz="1800">
-                <a:latin typeface="맑은 고딕" charset="0"/>
-                <a:ea typeface="맑은 고딕" charset="0"/>
-              </a:rPr>
-              <a:t> 컴포넌트를 </a:t>
-            </a:r>
-            <a:r>
-              <a:rPr lang="ko-KR" sz="1800">
-                <a:latin typeface="맑은 고딕" charset="0"/>
-                <a:ea typeface="맑은 고딕" charset="0"/>
-              </a:rPr>
-              <a:t>추가합니다.</a:t>
-            </a:r>
-            <a:endParaRPr lang="ko-KR" altLang="en-US" sz="1800">
-              <a:latin typeface="맑은 고딕" charset="0"/>
-              <a:ea typeface="맑은 고딕" charset="0"/>
-            </a:endParaRPr>
-          </a:p>
-        </p:txBody>
-      </p:sp>
     </p:spTree>
   </p:cSld>
   <p:clrMapOvr>
@@ -8511,7 +8168,7 @@
 </file>
 
 <file path=ppt/slides/slide5.xml><?xml version="1.0" encoding="utf-8"?>
-<p:sld xmlns:a="http://schemas.openxmlformats.org/drawingml/2006/main" xmlns:r="http://schemas.openxmlformats.org/officeDocument/2006/relationships" xmlns:p="http://schemas.openxmlformats.org/presentationml/2006/main" xmlns:p14="http://schemas.microsoft.com/office/powerpoint/2010/main">
+<p:sld xmlns:a="http://schemas.openxmlformats.org/drawingml/2006/main" xmlns:r="http://schemas.openxmlformats.org/officeDocument/2006/relationships" xmlns:p="http://schemas.openxmlformats.org/presentationml/2006/main">
   <p:cSld>
     <p:spTree>
       <p:nvGrpSpPr>
@@ -8537,8 +8194,8 @@
         </p:nvSpPr>
         <p:spPr>
           <a:xfrm rot="0">
-            <a:off x="4309745" y="373380"/>
-            <a:ext cx="3572510" cy="478155"/>
+            <a:off x="4350385" y="390525"/>
+            <a:ext cx="3506470" cy="478155"/>
           </a:xfrm>
           <a:prstGeom prst="rect"/>
           <a:noFill/>
@@ -8569,21 +8226,7 @@
                 <a:latin typeface="나눔바른고딕" charset="0"/>
                 <a:ea typeface="나눔바른고딕" charset="0"/>
               </a:rPr>
-              <a:t> </a:t>
-            </a:r>
-            <a:r>
-              <a:rPr lang="ko-KR" sz="2500" b="1">
-                <a:latin typeface="나눔바른고딕" charset="0"/>
-                <a:ea typeface="나눔바른고딕" charset="0"/>
-              </a:rPr>
-              <a:t>번째 튜토리</a:t>
-            </a:r>
-            <a:r>
-              <a:rPr lang="ko-KR" sz="2500" b="1">
-                <a:latin typeface="나눔바른고딕" charset="0"/>
-                <a:ea typeface="나눔바른고딕" charset="0"/>
-              </a:rPr>
-              <a:t>얼</a:t>
+              <a:t> 번째 튜토리얼</a:t>
             </a:r>
             <a:endParaRPr lang="ko-KR" altLang="en-US" sz="2500" b="1">
               <a:latin typeface="나눔바른고딕" charset="0"/>
@@ -8594,7 +8237,7 @@
       </p:sp>
       <p:sp>
         <p:nvSpPr>
-          <p:cNvPr id="37" name="텍스트 상자 56"/>
+          <p:cNvPr id="36" name="Rect 0"/>
           <p:cNvSpPr txBox="1">
             <a:spLocks/>
           </p:cNvSpPr>
@@ -8602,8 +8245,8 @@
         </p:nvSpPr>
         <p:spPr>
           <a:xfrm rot="0">
-            <a:off x="1231900" y="4869815"/>
-            <a:ext cx="4169410" cy="1200785"/>
+            <a:off x="1240155" y="2889250"/>
+            <a:ext cx="4126865" cy="923925"/>
           </a:xfrm>
           <a:prstGeom prst="rect"/>
           <a:noFill/>
@@ -8630,91 +8273,42 @@
                 <a:latin typeface="맑은 고딕" charset="0"/>
                 <a:ea typeface="맑은 고딕" charset="0"/>
               </a:rPr>
-              <a:t>11.</a:t>
+              <a:t>10.</a:t>
             </a:r>
             <a:r>
               <a:rPr sz="1800">
                 <a:latin typeface="맑은 고딕" charset="0"/>
                 <a:ea typeface="맑은 고딕" charset="0"/>
               </a:rPr>
-              <a:t> 그리고</a:t>
+              <a:t> </a:t>
             </a:r>
             <a:r>
               <a:rPr lang="ko-KR" sz="1800">
                 <a:latin typeface="맑은 고딕" charset="0"/>
                 <a:ea typeface="맑은 고딕" charset="0"/>
               </a:rPr>
-              <a:t> Photon Voice Network </a:t>
+              <a:t>이제 Network Voice Manager </a:t>
             </a:r>
             <a:r>
               <a:rPr lang="ko-KR" sz="1800">
                 <a:latin typeface="맑은 고딕" charset="0"/>
                 <a:ea typeface="맑은 고딕" charset="0"/>
               </a:rPr>
-              <a:t>컴포넌트에</a:t>
+              <a:t>오브젝트에</a:t>
             </a:r>
             <a:r>
               <a:rPr lang="ko-KR" sz="1800">
                 <a:latin typeface="맑은 고딕" charset="0"/>
                 <a:ea typeface="맑은 고딕" charset="0"/>
               </a:rPr>
-              <a:t> 있는 </a:t>
-            </a:r>
-            <a:r>
-              <a:rPr sz="1800">
-                <a:latin typeface="맑은 고딕" charset="0"/>
-                <a:ea typeface="맑은 고딕" charset="0"/>
-              </a:rPr>
-              <a:t>Primary Recorder</a:t>
+              <a:t> Recorder 컴포넌트를 </a:t>
             </a:r>
             <a:r>
               <a:rPr lang="ko-KR" sz="1800">
                 <a:latin typeface="맑은 고딕" charset="0"/>
                 <a:ea typeface="맑은 고딕" charset="0"/>
               </a:rPr>
-              <a:t>에</a:t>
-            </a:r>
-            <a:r>
-              <a:rPr sz="1800">
-                <a:latin typeface="맑은 고딕" charset="0"/>
-                <a:ea typeface="맑은 고딕" charset="0"/>
-              </a:rPr>
-              <a:t> </a:t>
-            </a:r>
-            <a:r>
-              <a:rPr lang="ko-KR" sz="1800">
-                <a:latin typeface="맑은 고딕" charset="0"/>
-                <a:ea typeface="맑은 고딕" charset="0"/>
-              </a:rPr>
-              <a:t>Network</a:t>
-            </a:r>
-            <a:r>
-              <a:rPr lang="ko-KR" sz="1800">
-                <a:latin typeface="맑은 고딕" charset="0"/>
-                <a:ea typeface="맑은 고딕" charset="0"/>
-              </a:rPr>
-              <a:t> Voice Manager</a:t>
-            </a:r>
-            <a:r>
-              <a:rPr sz="1800">
-                <a:latin typeface="맑은 고딕" charset="0"/>
-                <a:ea typeface="맑은 고딕" charset="0"/>
-              </a:rPr>
-              <a:t> 오브젝트를 </a:t>
-            </a:r>
-            <a:r>
-              <a:rPr sz="1800">
-                <a:latin typeface="맑은 고딕" charset="0"/>
-                <a:ea typeface="맑은 고딕" charset="0"/>
-              </a:rPr>
-              <a:t>넣어줍니</a:t>
-            </a:r>
-            <a:r>
-              <a:rPr lang="ko-KR" sz="1800">
-                <a:latin typeface="맑은 고딕" charset="0"/>
-                <a:ea typeface="맑은 고딕" charset="0"/>
-              </a:rPr>
-              <a:t>다.</a:t>
+              <a:t>추가합니다.</a:t>
             </a:r>
             <a:endParaRPr lang="ko-KR" altLang="en-US" sz="1800">
               <a:latin typeface="맑은 고딕" charset="0"/>
@@ -8725,14 +8319,291 @@
       </p:sp>
       <p:pic>
         <p:nvPicPr>
-          <p:cNvPr id="38" name="그림 57"/>
+          <p:cNvPr id="37" name="그림 14" descr="C:/Users/Admin1/AppData/Roaming/PolarisOffice/ETemp/14056_22210064/fImage108591938467.png"/>
           <p:cNvPicPr>
             <a:picLocks noChangeAspect="1"/>
           </p:cNvPicPr>
           <p:nvPr/>
         </p:nvPicPr>
         <p:blipFill rotWithShape="1">
-          <a:blip r:embed="rId2" cstate="hqprint">
+          <a:blip r:embed="rId2" cstate="print">
+            <a:extLst>
+              <a:ext uri="{28A0092B-C50C-407E-A947-70E740481C1C}">
+                <a14:useLocalDpi xmlns:a14="http://schemas.microsoft.com/office/drawing/2010/main" val="0"/>
+              </a:ext>
+            </a:extLst>
+          </a:blip>
+          <a:stretch>
+            <a:fillRect/>
+          </a:stretch>
+        </p:blipFill>
+        <p:spPr>
+          <a:xfrm rot="0">
+            <a:off x="6830695" y="1448435"/>
+            <a:ext cx="4135120" cy="1601470"/>
+          </a:xfrm>
+          <a:prstGeom prst="roundRect"/>
+          <a:solidFill>
+            <a:srgbClr val="EDEDED"/>
+          </a:solidFill>
+        </p:spPr>
+      </p:pic>
+      <p:sp>
+        <p:nvSpPr>
+          <p:cNvPr id="38" name="텍스트 상자 17"/>
+          <p:cNvSpPr txBox="1">
+            <a:spLocks/>
+          </p:cNvSpPr>
+          <p:nvPr/>
+        </p:nvSpPr>
+        <p:spPr>
+          <a:xfrm rot="0">
+            <a:off x="6822440" y="3107055"/>
+            <a:ext cx="4144010" cy="923925"/>
+          </a:xfrm>
+          <a:prstGeom prst="rect"/>
+          <a:noFill/>
+          <a:ln w="0">
+            <a:noFill/>
+            <a:prstDash/>
+          </a:ln>
+        </p:spPr>
+        <p:txBody>
+          <a:bodyPr wrap="square" lIns="89535" tIns="46355" rIns="89535" bIns="46355" numCol="1" vert="horz" anchor="t">
+            <a:spAutoFit/>
+          </a:bodyPr>
+          <a:lstStyle/>
+          <a:p>
+            <a:pPr marL="0" indent="0" rtl="0" algn="l" defTabSz="914400" eaLnBrk="1" latinLnBrk="0" hangingPunct="1">
+              <a:buFontTx/>
+              <a:buNone/>
+            </a:pPr>
+            <a:r>
+              <a:rPr sz="1800" b="1">
+                <a:solidFill>
+                  <a:srgbClr val="0611F2"/>
+                </a:solidFill>
+                <a:latin typeface="맑은 고딕" charset="0"/>
+                <a:ea typeface="맑은 고딕" charset="0"/>
+              </a:rPr>
+              <a:t>1</a:t>
+            </a:r>
+            <a:r>
+              <a:rPr lang="ko-KR" sz="1800" b="1">
+                <a:solidFill>
+                  <a:srgbClr val="0611F2"/>
+                </a:solidFill>
+                <a:latin typeface="맑은 고딕" charset="0"/>
+                <a:ea typeface="맑은 고딕" charset="0"/>
+              </a:rPr>
+              <a:t>2</a:t>
+            </a:r>
+            <a:r>
+              <a:rPr sz="1800" b="1">
+                <a:solidFill>
+                  <a:srgbClr val="0611F2"/>
+                </a:solidFill>
+                <a:latin typeface="맑은 고딕" charset="0"/>
+                <a:ea typeface="맑은 고딕" charset="0"/>
+              </a:rPr>
+              <a:t>.</a:t>
+            </a:r>
+            <a:r>
+              <a:rPr sz="1800">
+                <a:latin typeface="맑은 고딕" charset="0"/>
+                <a:ea typeface="맑은 고딕" charset="0"/>
+              </a:rPr>
+              <a:t> </a:t>
+            </a:r>
+            <a:r>
+              <a:rPr lang="ko-KR" sz="1800">
+                <a:latin typeface="맑은 고딕" charset="0"/>
+                <a:ea typeface="맑은 고딕" charset="0"/>
+              </a:rPr>
+              <a:t>그런 다음 Network Voice </a:t>
+            </a:r>
+            <a:r>
+              <a:rPr lang="ko-KR" sz="1800">
+                <a:latin typeface="맑은 고딕" charset="0"/>
+                <a:ea typeface="맑은 고딕" charset="0"/>
+              </a:rPr>
+              <a:t>Manager</a:t>
+            </a:r>
+            <a:r>
+              <a:rPr lang="ko-KR" sz="1800">
+                <a:latin typeface="맑은 고딕" charset="0"/>
+                <a:ea typeface="맑은 고딕" charset="0"/>
+              </a:rPr>
+              <a:t> </a:t>
+            </a:r>
+            <a:r>
+              <a:rPr lang="ko-KR" sz="1800">
+                <a:latin typeface="맑은 고딕" charset="0"/>
+                <a:ea typeface="맑은 고딕" charset="0"/>
+              </a:rPr>
+              <a:t>오브젝트의 위치와 회전 </a:t>
+            </a:r>
+            <a:r>
+              <a:rPr lang="ko-KR" sz="1800">
+                <a:latin typeface="맑은 고딕" charset="0"/>
+                <a:ea typeface="맑은 고딕" charset="0"/>
+              </a:rPr>
+              <a:t>값을</a:t>
+            </a:r>
+            <a:r>
+              <a:rPr lang="ko-KR" sz="1800">
+                <a:latin typeface="맑은 고딕" charset="0"/>
+                <a:ea typeface="맑은 고딕" charset="0"/>
+              </a:rPr>
+              <a:t> </a:t>
+            </a:r>
+            <a:r>
+              <a:rPr lang="ko-KR" sz="1800">
+                <a:latin typeface="맑은 고딕" charset="0"/>
+                <a:ea typeface="맑은 고딕" charset="0"/>
+              </a:rPr>
+              <a:t>초기화합니다.</a:t>
+            </a:r>
+            <a:endParaRPr lang="ko-KR" altLang="en-US" sz="1800">
+              <a:latin typeface="맑은 고딕" charset="0"/>
+              <a:ea typeface="맑은 고딕" charset="0"/>
+            </a:endParaRPr>
+          </a:p>
+        </p:txBody>
+      </p:sp>
+      <p:sp>
+        <p:nvSpPr>
+          <p:cNvPr id="39" name="텍스트 상자 18"/>
+          <p:cNvSpPr txBox="1">
+            <a:spLocks/>
+          </p:cNvSpPr>
+          <p:nvPr/>
+        </p:nvSpPr>
+        <p:spPr>
+          <a:xfrm rot="0">
+            <a:off x="1240790" y="5356860"/>
+            <a:ext cx="4144645" cy="923925"/>
+          </a:xfrm>
+          <a:prstGeom prst="rect"/>
+          <a:noFill/>
+          <a:ln w="0">
+            <a:noFill/>
+            <a:prstDash/>
+          </a:ln>
+        </p:spPr>
+        <p:txBody>
+          <a:bodyPr wrap="square" lIns="89535" tIns="46355" rIns="89535" bIns="46355" numCol="1" vert="horz" anchor="t">
+            <a:spAutoFit/>
+          </a:bodyPr>
+          <a:lstStyle/>
+          <a:p>
+            <a:pPr marL="0" indent="0" rtl="0" algn="l" defTabSz="914400" eaLnBrk="1" latinLnBrk="0" hangingPunct="1">
+              <a:buFontTx/>
+              <a:buNone/>
+            </a:pPr>
+            <a:r>
+              <a:rPr sz="1800" b="1">
+                <a:solidFill>
+                  <a:srgbClr val="0611F2"/>
+                </a:solidFill>
+                <a:latin typeface="맑은 고딕" charset="0"/>
+                <a:ea typeface="맑은 고딕" charset="0"/>
+              </a:rPr>
+              <a:t>1</a:t>
+            </a:r>
+            <a:r>
+              <a:rPr sz="1800" b="1">
+                <a:solidFill>
+                  <a:srgbClr val="0611F2"/>
+                </a:solidFill>
+                <a:latin typeface="맑은 고딕" charset="0"/>
+                <a:ea typeface="맑은 고딕" charset="0"/>
+              </a:rPr>
+              <a:t>1</a:t>
+            </a:r>
+            <a:r>
+              <a:rPr sz="1800" b="1">
+                <a:solidFill>
+                  <a:srgbClr val="0611F2"/>
+                </a:solidFill>
+                <a:latin typeface="맑은 고딕" charset="0"/>
+                <a:ea typeface="맑은 고딕" charset="0"/>
+              </a:rPr>
+              <a:t>.</a:t>
+            </a:r>
+            <a:r>
+              <a:rPr sz="1800">
+                <a:latin typeface="맑은 고딕" charset="0"/>
+                <a:ea typeface="맑은 고딕" charset="0"/>
+              </a:rPr>
+              <a:t> 그리고</a:t>
+            </a:r>
+            <a:r>
+              <a:rPr lang="ko-KR" sz="1800">
+                <a:latin typeface="맑은 고딕" charset="0"/>
+                <a:ea typeface="맑은 고딕" charset="0"/>
+              </a:rPr>
+              <a:t> Character 오브젝트에</a:t>
+            </a:r>
+            <a:r>
+              <a:rPr sz="1800">
+                <a:latin typeface="맑은 고딕" charset="0"/>
+                <a:ea typeface="맑은 고딕" charset="0"/>
+              </a:rPr>
+              <a:t> </a:t>
+            </a:r>
+            <a:r>
+              <a:rPr sz="1800">
+                <a:latin typeface="맑은 고딕" charset="0"/>
+                <a:ea typeface="맑은 고딕" charset="0"/>
+              </a:rPr>
+              <a:t>Photon</a:t>
+            </a:r>
+            <a:r>
+              <a:rPr sz="1800">
+                <a:latin typeface="맑은 고딕" charset="0"/>
+                <a:ea typeface="맑은 고딕" charset="0"/>
+              </a:rPr>
+              <a:t> </a:t>
+            </a:r>
+            <a:r>
+              <a:rPr sz="1800">
+                <a:latin typeface="맑은 고딕" charset="0"/>
+                <a:ea typeface="맑은 고딕" charset="0"/>
+              </a:rPr>
+              <a:t>Voice</a:t>
+            </a:r>
+            <a:r>
+              <a:rPr sz="1800">
+                <a:latin typeface="맑은 고딕" charset="0"/>
+                <a:ea typeface="맑은 고딕" charset="0"/>
+              </a:rPr>
+              <a:t> View 컴포넌트를 </a:t>
+            </a:r>
+            <a:r>
+              <a:rPr lang="ko-KR" sz="1800">
+                <a:latin typeface="맑은 고딕" charset="0"/>
+                <a:ea typeface="맑은 고딕" charset="0"/>
+              </a:rPr>
+              <a:t>추가합니다.</a:t>
+            </a:r>
+            <a:endParaRPr lang="ko-KR" altLang="en-US" sz="1800">
+              <a:latin typeface="맑은 고딕" charset="0"/>
+              <a:ea typeface="맑은 고딕" charset="0"/>
+            </a:endParaRPr>
+          </a:p>
+        </p:txBody>
+      </p:sp>
+      <p:pic>
+        <p:nvPicPr>
+          <p:cNvPr id="40" name="그림 19" descr="C:/Users/Admin1/AppData/Roaming/PolarisOffice/ETemp/14056_22210064/fImage52992859961.png"/>
+          <p:cNvPicPr>
+            <a:picLocks noChangeAspect="1"/>
+          </p:cNvPicPr>
+          <p:nvPr/>
+        </p:nvPicPr>
+        <p:blipFill rotWithShape="1">
+          <a:blip r:embed="rId3" cstate="hqprint">
             <a:extLst>
               <a:ext uri="{28A0092B-C50C-407E-A947-70E740481C1C}">
                 <a14:useLocalDpi xmlns:a14="http://schemas.microsoft.com/office/drawing/2010/main"/>
@@ -8745,8 +8616,8 @@
         </p:blipFill>
         <p:spPr>
           <a:xfrm rot="0">
-            <a:off x="2876550" y="1429385"/>
-            <a:ext cx="2520315" cy="3239770"/>
+            <a:off x="1240790" y="3901440"/>
+            <a:ext cx="4135120" cy="1361440"/>
           </a:xfrm>
           <a:prstGeom prst="roundRect"/>
           <a:solidFill>
@@ -8756,7 +8627,7 @@
       </p:pic>
       <p:pic>
         <p:nvPicPr>
-          <p:cNvPr id="43" name="그림 70"/>
+          <p:cNvPr id="41" name="그림 20" descr="C:/Users/Admin1/AppData/Roaming/PolarisOffice/ETemp/14056_22210064/fImage48473031942.png"/>
           <p:cNvPicPr>
             <a:picLocks noChangeAspect="1"/>
           </p:cNvPicPr>
@@ -8776,8 +8647,8 @@
         </p:blipFill>
         <p:spPr>
           <a:xfrm rot="0">
-            <a:off x="6813550" y="1438275"/>
-            <a:ext cx="4135120" cy="3489325"/>
+            <a:off x="6830695" y="4125595"/>
+            <a:ext cx="4135120" cy="1379220"/>
           </a:xfrm>
           <a:prstGeom prst="roundRect"/>
           <a:solidFill>
@@ -8787,7 +8658,7 @@
       </p:pic>
       <p:sp>
         <p:nvSpPr>
-          <p:cNvPr id="44" name="텍스트 상자 71"/>
+          <p:cNvPr id="42" name="텍스트 상자 21"/>
           <p:cNvSpPr txBox="1">
             <a:spLocks/>
           </p:cNvSpPr>
@@ -8795,8 +8666,8 @@
         </p:nvSpPr>
         <p:spPr>
           <a:xfrm rot="0">
-            <a:off x="6830060" y="5146675"/>
-            <a:ext cx="4116070" cy="923925"/>
+            <a:off x="6833235" y="5617210"/>
+            <a:ext cx="4132580" cy="647065"/>
           </a:xfrm>
           <a:prstGeom prst="rect"/>
           <a:noFill/>
@@ -8826,6 +8697,16 @@
               <a:t>1</a:t>
             </a:r>
             <a:r>
+              <a:rPr lang="ko-KR" sz="1800" b="1">
+                <a:solidFill>
+                  <a:srgbClr val="0611F2"/>
+                </a:solidFill>
+                <a:latin typeface="맑은 고딕" charset="0"/>
+                <a:ea typeface="맑은 고딕" charset="0"/>
+              </a:rPr>
+              <a:t>3</a:t>
+            </a:r>
+            <a:r>
               <a:rPr sz="1800" b="1">
                 <a:solidFill>
                   <a:srgbClr val="0611F2"/>
@@ -8833,16 +8714,6 @@
                 <a:latin typeface="맑은 고딕" charset="0"/>
                 <a:ea typeface="맑은 고딕" charset="0"/>
               </a:rPr>
-              <a:t>2</a:t>
-            </a:r>
-            <a:r>
-              <a:rPr sz="1800" b="1">
-                <a:solidFill>
-                  <a:srgbClr val="0611F2"/>
-                </a:solidFill>
-                <a:latin typeface="맑은 고딕" charset="0"/>
-                <a:ea typeface="맑은 고딕" charset="0"/>
-              </a:rPr>
               <a:t>.</a:t>
             </a:r>
             <a:r>
@@ -8850,63 +8721,63 @@
                 <a:latin typeface="맑은 고딕" charset="0"/>
                 <a:ea typeface="맑은 고딕" charset="0"/>
               </a:rPr>
-              <a:t> 그</a:t>
+              <a:t> 그다음</a:t>
             </a:r>
             <a:r>
               <a:rPr lang="ko-KR" sz="1800">
                 <a:latin typeface="맑은 고딕" charset="0"/>
                 <a:ea typeface="맑은 고딕" charset="0"/>
               </a:rPr>
-              <a:t>런 다음 Recoder 컴포넌트에 </a:t>
+              <a:t> Character </a:t>
             </a:r>
             <a:r>
               <a:rPr lang="ko-KR" sz="1800">
                 <a:latin typeface="맑은 고딕" charset="0"/>
                 <a:ea typeface="맑은 고딕" charset="0"/>
               </a:rPr>
-              <a:t>T</a:t>
+              <a:t>오브젝트에</a:t>
             </a:r>
             <a:r>
               <a:rPr sz="1800">
                 <a:latin typeface="맑은 고딕" charset="0"/>
                 <a:ea typeface="맑은 고딕" charset="0"/>
               </a:rPr>
-              <a:t>ransmit</a:t>
+              <a:t> </a:t>
             </a:r>
             <a:r>
               <a:rPr sz="1800">
                 <a:latin typeface="맑은 고딕" charset="0"/>
                 <a:ea typeface="맑은 고딕" charset="0"/>
               </a:rPr>
-              <a:t> Enabled</a:t>
+              <a:t>Speaker</a:t>
+            </a:r>
+            <a:r>
+              <a:rPr sz="1800">
+                <a:latin typeface="맑은 고딕" charset="0"/>
+                <a:ea typeface="맑은 고딕" charset="0"/>
+              </a:rPr>
+              <a:t> </a:t>
+            </a:r>
+            <a:r>
+              <a:rPr sz="1800">
+                <a:latin typeface="맑은 고딕" charset="0"/>
+                <a:ea typeface="맑은 고딕" charset="0"/>
+              </a:rPr>
+              <a:t>컴포넌트를</a:t>
+            </a:r>
+            <a:r>
+              <a:rPr sz="1800">
+                <a:latin typeface="맑은 고딕" charset="0"/>
+                <a:ea typeface="맑은 고딕" charset="0"/>
+              </a:rPr>
+              <a:t> </a:t>
             </a:r>
             <a:r>
               <a:rPr lang="ko-KR" sz="1800">
                 <a:latin typeface="맑은 고딕" charset="0"/>
                 <a:ea typeface="맑은 고딕" charset="0"/>
               </a:rPr>
-              <a:t>와 Debug </a:t>
-            </a:r>
-            <a:r>
-              <a:rPr lang="ko-KR" sz="1800">
-                <a:latin typeface="맑은 고딕" charset="0"/>
-                <a:ea typeface="맑은 고딕" charset="0"/>
-              </a:rPr>
-              <a:t>Echo</a:t>
-            </a:r>
-            <a:r>
-              <a:rPr sz="1800">
-                <a:latin typeface="맑은 고딕" charset="0"/>
-                <a:ea typeface="맑은 고딕" charset="0"/>
-              </a:rPr>
-              <a:t> </a:t>
-            </a:r>
-            <a:r>
-              <a:rPr lang="ko-KR" sz="1800">
-                <a:latin typeface="맑은 고딕" charset="0"/>
-                <a:ea typeface="맑은 고딕" charset="0"/>
-              </a:rPr>
-              <a:t>활성화합니다.</a:t>
+              <a:t>추가합니다.</a:t>
             </a:r>
             <a:endParaRPr lang="ko-KR" altLang="en-US" sz="1800">
               <a:latin typeface="맑은 고딕" charset="0"/>
@@ -8917,14 +8788,14 @@
       </p:sp>
       <p:pic>
         <p:nvPicPr>
-          <p:cNvPr id="45" name="그림 4" descr="C:/Users/Admin1/AppData/Roaming/PolarisOffice/ETemp/19276_21625256/fImage87551118467.png"/>
+          <p:cNvPr id="43" name="그림 22" descr="C:/Users/Admin1/AppData/Roaming/PolarisOffice/ETemp/14056_22210064/fImage37471996334.png"/>
           <p:cNvPicPr>
             <a:picLocks noChangeAspect="1"/>
           </p:cNvPicPr>
           <p:nvPr/>
         </p:nvPicPr>
         <p:blipFill rotWithShape="1">
-          <a:blip r:embed="rId10" cstate="print">
+          <a:blip r:embed="rId5" cstate="print">
             <a:extLst>
               <a:ext uri="{28A0092B-C50C-407E-A947-70E740481C1C}">
                 <a14:useLocalDpi xmlns:a14="http://schemas.microsoft.com/office/drawing/2010/main" val="0"/>
@@ -8937,8 +8808,8 @@
         </p:blipFill>
         <p:spPr>
           <a:xfrm rot="0">
-            <a:off x="1223645" y="2127250"/>
-            <a:ext cx="1490345" cy="2094230"/>
+            <a:off x="1236345" y="1438275"/>
+            <a:ext cx="4139565" cy="1353185"/>
           </a:xfrm>
           <a:prstGeom prst="roundRect"/>
           <a:solidFill>
@@ -8946,38 +8817,6 @@
           </a:solidFill>
         </p:spPr>
       </p:pic>
-      <p:cxnSp>
-        <p:nvCxnSpPr>
-          <p:cNvPr id="40" name="도형 59"/>
-          <p:cNvCxnSpPr/>
-          <p:nvPr/>
-        </p:nvCxnSpPr>
-        <p:spPr>
-          <a:xfrm rot="0" flipV="1">
-            <a:off x="2661920" y="3549015"/>
-            <a:ext cx="2620010" cy="439420"/>
-          </a:xfrm>
-          <a:prstGeom prst="straightConnector1"/>
-          <a:ln w="6350" cap="flat" cmpd="sng">
-            <a:prstDash/>
-            <a:tailEnd type="triangle" w="med" len="med"/>
-          </a:ln>
-        </p:spPr>
-        <p:style>
-          <a:lnRef idx="1">
-            <a:schemeClr val="accent1"/>
-          </a:lnRef>
-          <a:fillRef idx="0">
-            <a:schemeClr val="accent1"/>
-          </a:fillRef>
-          <a:effectRef idx="0">
-            <a:schemeClr val="accent1"/>
-          </a:effectRef>
-          <a:fontRef idx="minor">
-            <a:schemeClr val="tx1"/>
-          </a:fontRef>
-        </p:style>
-      </p:cxnSp>
     </p:spTree>
   </p:cSld>
   <p:clrMapOvr>
@@ -9028,8 +8867,8 @@
         </p:nvSpPr>
         <p:spPr>
           <a:xfrm>
-            <a:off x="4333240" y="407035"/>
-            <a:ext cx="3535680" cy="478155"/>
+            <a:off x="4309745" y="373380"/>
+            <a:ext cx="3573145" cy="478155"/>
           </a:xfrm>
           <a:prstGeom prst="rect"/>
           <a:noFill/>
@@ -9060,14 +8899,7 @@
                 <a:latin typeface="나눔바른고딕" charset="0"/>
                 <a:ea typeface="나눔바른고딕" charset="0"/>
               </a:rPr>
-              <a:t> </a:t>
-            </a:r>
-            <a:r>
-              <a:rPr lang="ko-KR" sz="2500" b="1">
-                <a:latin typeface="나눔바른고딕" charset="0"/>
-                <a:ea typeface="나눔바른고딕" charset="0"/>
-              </a:rPr>
-              <a:t>번째 튜토리얼</a:t>
+              <a:t> 번째 튜토리얼</a:t>
             </a:r>
             <a:endParaRPr lang="ko-KR" altLang="en-US" sz="2500" b="1">
               <a:latin typeface="나눔바른고딕" charset="0"/>
@@ -9078,7 +8910,7 @@
       </p:sp>
       <p:sp>
         <p:nvSpPr>
-          <p:cNvPr id="44" name="Rect 0"/>
+          <p:cNvPr id="37" name="텍스트 상자 56"/>
           <p:cNvSpPr txBox="1">
             <a:spLocks/>
           </p:cNvSpPr>
@@ -9086,8 +8918,8 @@
         </p:nvSpPr>
         <p:spPr>
           <a:xfrm rot="0">
-            <a:off x="6813550" y="2849880"/>
-            <a:ext cx="4144010" cy="923925"/>
+            <a:off x="1231900" y="4939030"/>
+            <a:ext cx="4152265" cy="1200785"/>
           </a:xfrm>
           <a:prstGeom prst="rect"/>
           <a:noFill/>
@@ -9124,7 +8956,7 @@
                 <a:latin typeface="맑은 고딕" charset="0"/>
                 <a:ea typeface="맑은 고딕" charset="0"/>
               </a:rPr>
-              <a:t>3</a:t>
+              <a:t>4</a:t>
             </a:r>
             <a:r>
               <a:rPr sz="1800" b="1">
@@ -9141,77 +8973,119 @@
                 <a:latin typeface="맑은 고딕" charset="0"/>
                 <a:ea typeface="맑은 고딕" charset="0"/>
               </a:rPr>
-              <a:t> 그다음으로</a:t>
+              <a:t> 그러고 나서</a:t>
             </a:r>
             <a:r>
               <a:rPr lang="ko-KR" sz="1800">
                 <a:latin typeface="맑은 고딕" charset="0"/>
                 <a:ea typeface="맑은 고딕" charset="0"/>
               </a:rPr>
-              <a:t> Character </a:t>
+              <a:t> Photon Voice </a:t>
             </a:r>
             <a:r>
               <a:rPr lang="ko-KR" sz="1800">
                 <a:latin typeface="맑은 고딕" charset="0"/>
                 <a:ea typeface="맑은 고딕" charset="0"/>
               </a:rPr>
-              <a:t>오브젝트에</a:t>
+              <a:t>Network</a:t>
+            </a:r>
+            <a:r>
+              <a:rPr lang="ko-KR" sz="1800">
+                <a:latin typeface="맑은 고딕" charset="0"/>
+                <a:ea typeface="맑은 고딕" charset="0"/>
+              </a:rPr>
+              <a:t> </a:t>
+            </a:r>
+            <a:r>
+              <a:rPr lang="ko-KR" sz="1800">
+                <a:latin typeface="맑은 고딕" charset="0"/>
+                <a:ea typeface="맑은 고딕" charset="0"/>
+              </a:rPr>
+              <a:t>컴포넌트에</a:t>
+            </a:r>
+            <a:r>
+              <a:rPr lang="ko-KR" sz="1800">
+                <a:latin typeface="맑은 고딕" charset="0"/>
+                <a:ea typeface="맑은 고딕" charset="0"/>
+              </a:rPr>
+              <a:t> 있는 </a:t>
             </a:r>
             <a:r>
               <a:rPr sz="1800">
                 <a:latin typeface="맑은 고딕" charset="0"/>
                 <a:ea typeface="맑은 고딕" charset="0"/>
               </a:rPr>
+              <a:t>Primary </a:t>
+            </a:r>
+            <a:r>
+              <a:rPr sz="1800">
+                <a:latin typeface="맑은 고딕" charset="0"/>
+                <a:ea typeface="맑은 고딕" charset="0"/>
+              </a:rPr>
+              <a:t>Recorder</a:t>
+            </a:r>
+            <a:r>
+              <a:rPr lang="ko-KR" sz="1800">
+                <a:latin typeface="맑은 고딕" charset="0"/>
+                <a:ea typeface="맑은 고딕" charset="0"/>
+              </a:rPr>
+              <a:t>에</a:t>
+            </a:r>
+            <a:r>
+              <a:rPr sz="1800">
+                <a:latin typeface="맑은 고딕" charset="0"/>
+                <a:ea typeface="맑은 고딕" charset="0"/>
+              </a:rPr>
               <a:t> </a:t>
             </a:r>
             <a:r>
+              <a:rPr lang="ko-KR" sz="1800">
+                <a:latin typeface="맑은 고딕" charset="0"/>
+                <a:ea typeface="맑은 고딕" charset="0"/>
+              </a:rPr>
+              <a:t>Network</a:t>
+            </a:r>
+            <a:r>
+              <a:rPr lang="ko-KR" sz="1800">
+                <a:latin typeface="맑은 고딕" charset="0"/>
+                <a:ea typeface="맑은 고딕" charset="0"/>
+              </a:rPr>
+              <a:t> Voice Manager</a:t>
+            </a:r>
+            <a:r>
               <a:rPr sz="1800">
                 <a:latin typeface="맑은 고딕" charset="0"/>
                 <a:ea typeface="맑은 고딕" charset="0"/>
               </a:rPr>
-              <a:t>Photon</a:t>
+              <a:t> </a:t>
             </a:r>
             <a:r>
               <a:rPr sz="1800">
                 <a:latin typeface="맑은 고딕" charset="0"/>
                 <a:ea typeface="맑은 고딕" charset="0"/>
               </a:rPr>
-              <a:t> Voice </a:t>
+              <a:t>오브젝트를</a:t>
             </a:r>
             <a:r>
               <a:rPr sz="1800">
                 <a:latin typeface="맑은 고딕" charset="0"/>
                 <a:ea typeface="맑은 고딕" charset="0"/>
               </a:rPr>
-              <a:t>View</a:t>
+              <a:t> </a:t>
             </a:r>
             <a:r>
               <a:rPr sz="1800">
                 <a:latin typeface="맑은 고딕" charset="0"/>
                 <a:ea typeface="맑은 고딕" charset="0"/>
               </a:rPr>
-              <a:t> </a:t>
-            </a:r>
-            <a:r>
-              <a:rPr sz="1800">
-                <a:latin typeface="맑은 고딕" charset="0"/>
-                <a:ea typeface="맑은 고딕" charset="0"/>
-              </a:rPr>
-              <a:t>컴포넌트를</a:t>
-            </a:r>
-            <a:r>
-              <a:rPr sz="1800">
-                <a:latin typeface="맑은 고딕" charset="0"/>
-                <a:ea typeface="맑은 고딕" charset="0"/>
-              </a:rPr>
-              <a:t> </a:t>
+              <a:t>넣어줍니</a:t>
             </a:r>
             <a:r>
               <a:rPr lang="ko-KR" sz="1800">
                 <a:latin typeface="맑은 고딕" charset="0"/>
                 <a:ea typeface="맑은 고딕" charset="0"/>
               </a:rPr>
-              <a:t>추가합니다.</a:t>
+              <a:t>다.</a:t>
             </a:r>
             <a:endParaRPr lang="ko-KR" altLang="en-US" sz="1800">
               <a:latin typeface="맑은 고딕" charset="0"/>
@@ -9220,102 +9094,9 @@
           </a:p>
         </p:txBody>
       </p:sp>
-      <p:sp>
-        <p:nvSpPr>
-          <p:cNvPr id="46" name="텍스트 상자 79"/>
-          <p:cNvSpPr txBox="1">
-            <a:spLocks/>
-          </p:cNvSpPr>
-          <p:nvPr/>
-        </p:nvSpPr>
-        <p:spPr>
-          <a:xfrm rot="0">
-            <a:off x="1240790" y="1458595"/>
-            <a:ext cx="4156075" cy="923925"/>
-          </a:xfrm>
-          <a:prstGeom prst="rect"/>
-          <a:noFill/>
-          <a:ln w="0">
-            <a:noFill/>
-            <a:prstDash/>
-          </a:ln>
-        </p:spPr>
-        <p:txBody>
-          <a:bodyPr wrap="square" lIns="89535" tIns="46355" rIns="89535" bIns="46355" numCol="1" vert="horz" anchor="t">
-            <a:spAutoFit/>
-          </a:bodyPr>
-          <a:lstStyle/>
-          <a:p>
-            <a:pPr marL="0" indent="0" rtl="0" algn="l" defTabSz="914400" eaLnBrk="1" latinLnBrk="0" hangingPunct="1">
-              <a:buFontTx/>
-              <a:buNone/>
-            </a:pPr>
-            <a:r>
-              <a:rPr sz="1800">
-                <a:latin typeface="맑은 고딕" charset="0"/>
-                <a:ea typeface="맑은 고딕" charset="0"/>
-              </a:rPr>
-              <a:t>Input</a:t>
-            </a:r>
-            <a:r>
-              <a:rPr sz="1800">
-                <a:latin typeface="맑은 고딕" charset="0"/>
-                <a:ea typeface="맑은 고딕" charset="0"/>
-              </a:rPr>
-              <a:t> Source Type(Microphone)은 </a:t>
-            </a:r>
-            <a:r>
-              <a:rPr sz="1800">
-                <a:latin typeface="맑은 고딕" charset="0"/>
-                <a:ea typeface="맑은 고딕" charset="0"/>
-              </a:rPr>
-              <a:t>마이크가</a:t>
-            </a:r>
-            <a:r>
-              <a:rPr sz="1800">
-                <a:latin typeface="맑은 고딕" charset="0"/>
-                <a:ea typeface="맑은 고딕" charset="0"/>
-              </a:rPr>
-              <a:t> 연결되어 있다면 현재 </a:t>
-            </a:r>
-            <a:r>
-              <a:rPr sz="1800">
-                <a:latin typeface="맑은 고딕" charset="0"/>
-                <a:ea typeface="맑은 고딕" charset="0"/>
-              </a:rPr>
-              <a:t>연결된</a:t>
-            </a:r>
-            <a:r>
-              <a:rPr sz="1800">
-                <a:latin typeface="맑은 고딕" charset="0"/>
-                <a:ea typeface="맑은 고딕" charset="0"/>
-              </a:rPr>
-              <a:t> </a:t>
-            </a:r>
-            <a:r>
-              <a:rPr sz="1800">
-                <a:latin typeface="맑은 고딕" charset="0"/>
-                <a:ea typeface="맑은 고딕" charset="0"/>
-              </a:rPr>
-              <a:t>마이크의</a:t>
-            </a:r>
-            <a:r>
-              <a:rPr sz="1800">
-                <a:latin typeface="맑은 고딕" charset="0"/>
-                <a:ea typeface="맑은 고딕" charset="0"/>
-              </a:rPr>
-              <a:t> 정보가 나타납니다. </a:t>
-            </a:r>
-            <a:endParaRPr lang="ko-KR" altLang="en-US" sz="1800">
-              <a:latin typeface="맑은 고딕" charset="0"/>
-              <a:ea typeface="맑은 고딕" charset="0"/>
-            </a:endParaRPr>
-          </a:p>
-        </p:txBody>
-      </p:sp>
       <p:pic>
         <p:nvPicPr>
-          <p:cNvPr id="47" name="그림 82" descr="C:/Users/Admin1/AppData/Roaming/PolarisOffice/ETemp/26488_11137448/fImage7007282836827.png"/>
+          <p:cNvPr id="38" name="그림 57" descr="C:/Users/Admin1/AppData/Roaming/PolarisOffice/ETemp/14056_22210064/fImage318592564464.png"/>
           <p:cNvPicPr>
             <a:picLocks noChangeAspect="1"/>
           </p:cNvPicPr>
@@ -9335,16 +9116,18 @@
         </p:blipFill>
         <p:spPr>
           <a:xfrm rot="0">
-            <a:off x="1240790" y="2566670"/>
-            <a:ext cx="4143375" cy="991235"/>
-          </a:xfrm>
-          <a:prstGeom prst="rect"/>
-          <a:noFill/>
+            <a:off x="2860040" y="1429385"/>
+            <a:ext cx="2524125" cy="3343275"/>
+          </a:xfrm>
+          <a:prstGeom prst="roundRect"/>
+          <a:solidFill>
+            <a:srgbClr val="EDEDED"/>
+          </a:solidFill>
         </p:spPr>
       </p:pic>
       <p:pic>
         <p:nvPicPr>
-          <p:cNvPr id="49" name="그림 84" descr="C:/Users/Admin1/AppData/Roaming/PolarisOffice/ETemp/26488_11137448/fImage52992859961.png"/>
+          <p:cNvPr id="43" name="그림 70" descr="C:/Users/Admin1/AppData/Roaming/PolarisOffice/ETemp/14056_22210064/fImage376762648145.png"/>
           <p:cNvPicPr>
             <a:picLocks noChangeAspect="1"/>
           </p:cNvPicPr>
@@ -9364,8 +9147,8 @@
         </p:blipFill>
         <p:spPr>
           <a:xfrm rot="0">
-            <a:off x="6822440" y="1452245"/>
-            <a:ext cx="4135120" cy="1244600"/>
+            <a:off x="6822440" y="1438275"/>
+            <a:ext cx="4126865" cy="3531870"/>
           </a:xfrm>
           <a:prstGeom prst="roundRect"/>
           <a:solidFill>
@@ -9373,16 +9156,153 @@
           </a:solidFill>
         </p:spPr>
       </p:pic>
+      <p:sp>
+        <p:nvSpPr>
+          <p:cNvPr id="44" name="텍스트 상자 71"/>
+          <p:cNvSpPr txBox="1">
+            <a:spLocks/>
+          </p:cNvSpPr>
+          <p:nvPr/>
+        </p:nvSpPr>
+        <p:spPr>
+          <a:xfrm rot="0">
+            <a:off x="6830060" y="5215890"/>
+            <a:ext cx="4116705" cy="923925"/>
+          </a:xfrm>
+          <a:prstGeom prst="rect"/>
+          <a:noFill/>
+          <a:ln w="0">
+            <a:noFill/>
+            <a:prstDash/>
+          </a:ln>
+        </p:spPr>
+        <p:txBody>
+          <a:bodyPr wrap="square" lIns="89535" tIns="46355" rIns="89535" bIns="46355" numCol="1" vert="horz" anchor="t">
+            <a:spAutoFit/>
+          </a:bodyPr>
+          <a:lstStyle/>
+          <a:p>
+            <a:pPr marL="0" indent="0" rtl="0" algn="l" defTabSz="914400" eaLnBrk="1" latinLnBrk="0" hangingPunct="1">
+              <a:buFontTx/>
+              <a:buNone/>
+            </a:pPr>
+            <a:r>
+              <a:rPr sz="1800" b="1">
+                <a:solidFill>
+                  <a:srgbClr val="0611F2"/>
+                </a:solidFill>
+                <a:latin typeface="맑은 고딕" charset="0"/>
+                <a:ea typeface="맑은 고딕" charset="0"/>
+              </a:rPr>
+              <a:t>1</a:t>
+            </a:r>
+            <a:r>
+              <a:rPr sz="1800" b="1">
+                <a:solidFill>
+                  <a:srgbClr val="0611F2"/>
+                </a:solidFill>
+                <a:latin typeface="맑은 고딕" charset="0"/>
+                <a:ea typeface="맑은 고딕" charset="0"/>
+              </a:rPr>
+              <a:t>5</a:t>
+            </a:r>
+            <a:r>
+              <a:rPr sz="1800" b="1">
+                <a:solidFill>
+                  <a:srgbClr val="0611F2"/>
+                </a:solidFill>
+                <a:latin typeface="맑은 고딕" charset="0"/>
+                <a:ea typeface="맑은 고딕" charset="0"/>
+              </a:rPr>
+              <a:t>.</a:t>
+            </a:r>
+            <a:r>
+              <a:rPr sz="1800">
+                <a:latin typeface="맑은 고딕" charset="0"/>
+                <a:ea typeface="맑은 고딕" charset="0"/>
+              </a:rPr>
+              <a:t> 이제</a:t>
+            </a:r>
+            <a:r>
+              <a:rPr lang="ko-KR" sz="1800">
+                <a:latin typeface="맑은 고딕" charset="0"/>
+                <a:ea typeface="맑은 고딕" charset="0"/>
+              </a:rPr>
+              <a:t> Recoder 컴포넌트에 </a:t>
+            </a:r>
+            <a:r>
+              <a:rPr lang="ko-KR" sz="1800">
+                <a:latin typeface="맑은 고딕" charset="0"/>
+                <a:ea typeface="맑은 고딕" charset="0"/>
+              </a:rPr>
+              <a:t>T</a:t>
+            </a:r>
+            <a:r>
+              <a:rPr sz="1800">
+                <a:latin typeface="맑은 고딕" charset="0"/>
+                <a:ea typeface="맑은 고딕" charset="0"/>
+              </a:rPr>
+              <a:t>ransmit</a:t>
+            </a:r>
+            <a:r>
+              <a:rPr sz="1800">
+                <a:latin typeface="맑은 고딕" charset="0"/>
+                <a:ea typeface="맑은 고딕" charset="0"/>
+              </a:rPr>
+              <a:t> </a:t>
+            </a:r>
+            <a:r>
+              <a:rPr sz="1800">
+                <a:latin typeface="맑은 고딕" charset="0"/>
+                <a:ea typeface="맑은 고딕" charset="0"/>
+              </a:rPr>
+              <a:t>Enabled</a:t>
+            </a:r>
+            <a:r>
+              <a:rPr lang="ko-KR" sz="1800">
+                <a:latin typeface="맑은 고딕" charset="0"/>
+                <a:ea typeface="맑은 고딕" charset="0"/>
+              </a:rPr>
+              <a:t>와</a:t>
+            </a:r>
+            <a:r>
+              <a:rPr lang="ko-KR" sz="1800">
+                <a:latin typeface="맑은 고딕" charset="0"/>
+                <a:ea typeface="맑은 고딕" charset="0"/>
+              </a:rPr>
+              <a:t> Debug Echo를</a:t>
+            </a:r>
+            <a:r>
+              <a:rPr sz="1800">
+                <a:latin typeface="맑은 고딕" charset="0"/>
+                <a:ea typeface="맑은 고딕" charset="0"/>
+              </a:rPr>
+              <a:t> </a:t>
+            </a:r>
+            <a:r>
+              <a:rPr lang="ko-KR" sz="1800">
+                <a:latin typeface="맑은 고딕" charset="0"/>
+                <a:ea typeface="맑은 고딕" charset="0"/>
+              </a:rPr>
+              <a:t>활성화합니다.</a:t>
+            </a:r>
+            <a:endParaRPr lang="ko-KR" altLang="en-US" sz="1800">
+              <a:latin typeface="맑은 고딕" charset="0"/>
+              <a:ea typeface="맑은 고딕" charset="0"/>
+            </a:endParaRPr>
+          </a:p>
+        </p:txBody>
+      </p:sp>
       <p:pic>
         <p:nvPicPr>
-          <p:cNvPr id="50" name="그림 25" descr="C:/Users/Admin1/AppData/Roaming/PolarisOffice/ETemp/26488_11137448/fImage48473031942.png"/>
+          <p:cNvPr id="45" name="그림 4" descr="C:/Users/Admin1/AppData/Roaming/PolarisOffice/ETemp/14056_22210064/fImage87551118467.png"/>
           <p:cNvPicPr>
             <a:picLocks noChangeAspect="1"/>
           </p:cNvPicPr>
           <p:nvPr/>
         </p:nvPicPr>
         <p:blipFill rotWithShape="1">
-          <a:blip r:embed="rId7" cstate="hqprint">
+          <a:blip r:embed="rId10" cstate="hqprint">
             <a:extLst>
               <a:ext uri="{28A0092B-C50C-407E-A947-70E740481C1C}">
                 <a14:useLocalDpi xmlns:a14="http://schemas.microsoft.com/office/drawing/2010/main"/>
@@ -9395,8 +9315,8 @@
         </p:blipFill>
         <p:spPr>
           <a:xfrm rot="0">
-            <a:off x="6813550" y="3945255"/>
-            <a:ext cx="4245610" cy="1265555"/>
+            <a:off x="1232535" y="2127250"/>
+            <a:ext cx="1490980" cy="2094865"/>
           </a:xfrm>
           <a:prstGeom prst="roundRect"/>
           <a:solidFill>
@@ -9404,297 +9324,38 @@
           </a:solidFill>
         </p:spPr>
       </p:pic>
-      <p:sp>
-        <p:nvSpPr>
-          <p:cNvPr id="51" name="텍스트 상자 26"/>
-          <p:cNvSpPr txBox="1">
-            <a:spLocks/>
-          </p:cNvSpPr>
+      <p:cxnSp>
+        <p:nvCxnSpPr>
+          <p:cNvPr id="40" name="도형 59"/>
+          <p:cNvCxnSpPr/>
           <p:nvPr/>
-        </p:nvSpPr>
-        <p:spPr>
-          <a:xfrm rot="0">
-            <a:off x="6816090" y="5367655"/>
-            <a:ext cx="4149725" cy="647065"/>
-          </a:xfrm>
-          <a:prstGeom prst="rect"/>
-          <a:noFill/>
-          <a:ln w="0">
-            <a:noFill/>
+        </p:nvCxnSpPr>
+        <p:spPr>
+          <a:xfrm rot="0" flipV="1">
+            <a:off x="2661920" y="3617595"/>
+            <a:ext cx="2619375" cy="371475"/>
+          </a:xfrm>
+          <a:prstGeom prst="straightConnector1"/>
+          <a:ln w="6350" cap="flat" cmpd="sng">
             <a:prstDash/>
+            <a:tailEnd type="triangle" w="med" len="med"/>
           </a:ln>
         </p:spPr>
-        <p:txBody>
-          <a:bodyPr wrap="square" lIns="89535" tIns="46355" rIns="89535" bIns="46355" numCol="1" vert="horz" anchor="t">
-            <a:spAutoFit/>
-          </a:bodyPr>
-          <a:lstStyle/>
-          <a:p>
-            <a:pPr marL="0" indent="0" rtl="0" algn="l" defTabSz="914400" eaLnBrk="1" latinLnBrk="0" hangingPunct="1">
-              <a:buFontTx/>
-              <a:buNone/>
-            </a:pPr>
-            <a:r>
-              <a:rPr sz="1800" b="1">
-                <a:solidFill>
-                  <a:srgbClr val="0611F2"/>
-                </a:solidFill>
-                <a:latin typeface="맑은 고딕" charset="0"/>
-                <a:ea typeface="맑은 고딕" charset="0"/>
-              </a:rPr>
-              <a:t>1</a:t>
-            </a:r>
-            <a:r>
-              <a:rPr lang="ko-KR" sz="1800" b="1">
-                <a:solidFill>
-                  <a:srgbClr val="0611F2"/>
-                </a:solidFill>
-                <a:latin typeface="맑은 고딕" charset="0"/>
-                <a:ea typeface="맑은 고딕" charset="0"/>
-              </a:rPr>
-              <a:t>4</a:t>
-            </a:r>
-            <a:r>
-              <a:rPr sz="1800" b="1">
-                <a:solidFill>
-                  <a:srgbClr val="0611F2"/>
-                </a:solidFill>
-                <a:latin typeface="맑은 고딕" charset="0"/>
-                <a:ea typeface="맑은 고딕" charset="0"/>
-              </a:rPr>
-              <a:t>.</a:t>
-            </a:r>
-            <a:r>
-              <a:rPr sz="1800">
-                <a:latin typeface="맑은 고딕" charset="0"/>
-                <a:ea typeface="맑은 고딕" charset="0"/>
-              </a:rPr>
-              <a:t> 그러고 나서</a:t>
-            </a:r>
-            <a:r>
-              <a:rPr lang="ko-KR" sz="1800">
-                <a:latin typeface="맑은 고딕" charset="0"/>
-                <a:ea typeface="맑은 고딕" charset="0"/>
-              </a:rPr>
-              <a:t> Character </a:t>
-            </a:r>
-            <a:r>
-              <a:rPr lang="ko-KR" sz="1800">
-                <a:latin typeface="맑은 고딕" charset="0"/>
-                <a:ea typeface="맑은 고딕" charset="0"/>
-              </a:rPr>
-              <a:t>오브젝트에</a:t>
-            </a:r>
-            <a:r>
-              <a:rPr sz="1800">
-                <a:latin typeface="맑은 고딕" charset="0"/>
-                <a:ea typeface="맑은 고딕" charset="0"/>
-              </a:rPr>
-              <a:t> </a:t>
-            </a:r>
-            <a:r>
-              <a:rPr sz="1800">
-                <a:latin typeface="맑은 고딕" charset="0"/>
-                <a:ea typeface="맑은 고딕" charset="0"/>
-              </a:rPr>
-              <a:t>S</a:t>
-            </a:r>
-            <a:r>
-              <a:rPr sz="1800">
-                <a:latin typeface="맑은 고딕" charset="0"/>
-                <a:ea typeface="맑은 고딕" charset="0"/>
-              </a:rPr>
-              <a:t>peaker</a:t>
-            </a:r>
-            <a:r>
-              <a:rPr sz="1800">
-                <a:latin typeface="맑은 고딕" charset="0"/>
-                <a:ea typeface="맑은 고딕" charset="0"/>
-              </a:rPr>
-              <a:t> </a:t>
-            </a:r>
-            <a:r>
-              <a:rPr sz="1800">
-                <a:latin typeface="맑은 고딕" charset="0"/>
-                <a:ea typeface="맑은 고딕" charset="0"/>
-              </a:rPr>
-              <a:t>컴포넌트를</a:t>
-            </a:r>
-            <a:r>
-              <a:rPr sz="1800">
-                <a:latin typeface="맑은 고딕" charset="0"/>
-                <a:ea typeface="맑은 고딕" charset="0"/>
-              </a:rPr>
-              <a:t> </a:t>
-            </a:r>
-            <a:r>
-              <a:rPr lang="ko-KR" sz="1800">
-                <a:latin typeface="맑은 고딕" charset="0"/>
-                <a:ea typeface="맑은 고딕" charset="0"/>
-              </a:rPr>
-              <a:t>추가합니다.</a:t>
-            </a:r>
-            <a:endParaRPr lang="ko-KR" altLang="en-US" sz="1800">
-              <a:latin typeface="맑은 고딕" charset="0"/>
-              <a:ea typeface="맑은 고딕" charset="0"/>
-            </a:endParaRPr>
-          </a:p>
-        </p:txBody>
-      </p:sp>
-      <p:sp>
-        <p:nvSpPr>
-          <p:cNvPr id="52" name="텍스트 상자 29"/>
-          <p:cNvSpPr txBox="1">
-            <a:spLocks/>
-          </p:cNvSpPr>
-          <p:nvPr/>
-        </p:nvSpPr>
-        <p:spPr>
-          <a:xfrm rot="0">
-            <a:off x="1243965" y="3710305"/>
-            <a:ext cx="4149090" cy="2308225"/>
-          </a:xfrm>
-          <a:prstGeom prst="rect"/>
-          <a:noFill/>
-          <a:ln w="0">
-            <a:noFill/>
-            <a:prstDash/>
-          </a:ln>
-        </p:spPr>
-        <p:txBody>
-          <a:bodyPr wrap="square" lIns="89535" tIns="46355" rIns="89535" bIns="46355" numCol="1" vert="horz" anchor="t">
-            <a:spAutoFit/>
-          </a:bodyPr>
-          <a:lstStyle/>
-          <a:p>
-            <a:pPr marL="0" indent="0" rtl="0" algn="l" defTabSz="914400" eaLnBrk="1" latinLnBrk="0" hangingPunct="1">
-              <a:buFontTx/>
-              <a:buNone/>
-            </a:pPr>
-            <a:r>
-              <a:rPr sz="1800">
-                <a:latin typeface="맑은 고딕" charset="0"/>
-                <a:ea typeface="맑은 고딕" charset="0"/>
-              </a:rPr>
-              <a:t>만약,</a:t>
-            </a:r>
-            <a:r>
-              <a:rPr sz="1800">
-                <a:latin typeface="맑은 고딕" charset="0"/>
-                <a:ea typeface="맑은 고딕" charset="0"/>
-              </a:rPr>
-              <a:t> 연결되지 않았다면 오류 목록이 </a:t>
-            </a:r>
-            <a:r>
-              <a:rPr sz="1800">
-                <a:latin typeface="맑은 고딕" charset="0"/>
-                <a:ea typeface="맑은 고딕" charset="0"/>
-              </a:rPr>
-              <a:t>나타납니다.</a:t>
-            </a:r>
-            <a:endParaRPr lang="ko-KR" altLang="en-US" sz="1800">
-              <a:latin typeface="맑은 고딕" charset="0"/>
-              <a:ea typeface="맑은 고딕" charset="0"/>
-            </a:endParaRPr>
-          </a:p>
-          <a:p>
-            <a:pPr marL="0" indent="0" rtl="0" algn="l" defTabSz="914400" eaLnBrk="1" latinLnBrk="0" hangingPunct="1">
-              <a:buFontTx/>
-              <a:buNone/>
-            </a:pPr>
-            <a:endParaRPr lang="ko-KR" altLang="en-US" sz="1800">
-              <a:latin typeface="맑은 고딕" charset="0"/>
-              <a:ea typeface="맑은 고딕" charset="0"/>
-            </a:endParaRPr>
-          </a:p>
-          <a:p>
-            <a:pPr marL="0" indent="0" rtl="0" algn="l" defTabSz="914400" eaLnBrk="1" latinLnBrk="0" hangingPunct="1">
-              <a:buFontTx/>
-              <a:buNone/>
-            </a:pPr>
-            <a:r>
-              <a:rPr sz="1800">
-                <a:latin typeface="맑은 고딕" charset="0"/>
-                <a:ea typeface="맑은 고딕" charset="0"/>
-              </a:rPr>
-              <a:t>Microphone</a:t>
-            </a:r>
-            <a:r>
-              <a:rPr sz="1800">
-                <a:latin typeface="맑은 고딕" charset="0"/>
-                <a:ea typeface="맑은 고딕" charset="0"/>
-              </a:rPr>
-              <a:t> Device에서 원하는 음성 </a:t>
-            </a:r>
-            <a:r>
-              <a:rPr sz="1800">
-                <a:latin typeface="맑은 고딕" charset="0"/>
-                <a:ea typeface="맑은 고딕" charset="0"/>
-              </a:rPr>
-              <a:t>입력</a:t>
-            </a:r>
-            <a:r>
-              <a:rPr sz="1800">
-                <a:latin typeface="맑은 고딕" charset="0"/>
-                <a:ea typeface="맑은 고딕" charset="0"/>
-              </a:rPr>
-              <a:t> 장치를 선택할 수 있습니다.</a:t>
-            </a:r>
-            <a:endParaRPr lang="ko-KR" altLang="en-US" sz="1800">
-              <a:latin typeface="맑은 고딕" charset="0"/>
-              <a:ea typeface="맑은 고딕" charset="0"/>
-            </a:endParaRPr>
-          </a:p>
-          <a:p>
-            <a:pPr marL="0" indent="0" rtl="0" algn="l" defTabSz="914400" eaLnBrk="1" latinLnBrk="0" hangingPunct="1">
-              <a:buFontTx/>
-              <a:buNone/>
-            </a:pPr>
-            <a:endParaRPr lang="ko-KR" altLang="en-US" sz="1800">
-              <a:latin typeface="맑은 고딕" charset="0"/>
-              <a:ea typeface="맑은 고딕" charset="0"/>
-            </a:endParaRPr>
-          </a:p>
-          <a:p>
-            <a:pPr marL="0" indent="0" rtl="0" algn="l" defTabSz="914400" eaLnBrk="1" latinLnBrk="0" hangingPunct="1">
-              <a:buFontTx/>
-              <a:buNone/>
-            </a:pPr>
-            <a:r>
-              <a:rPr sz="1800">
-                <a:latin typeface="맑은 고딕" charset="0"/>
-                <a:ea typeface="맑은 고딕" charset="0"/>
-              </a:rPr>
-              <a:t>DebugEcho를</a:t>
-            </a:r>
-            <a:r>
-              <a:rPr sz="1800">
-                <a:latin typeface="맑은 고딕" charset="0"/>
-                <a:ea typeface="맑은 고딕" charset="0"/>
-              </a:rPr>
-              <a:t> 활성화하면 내 음성이 </a:t>
-            </a:r>
-            <a:r>
-              <a:rPr sz="1800">
-                <a:latin typeface="맑은 고딕" charset="0"/>
-                <a:ea typeface="맑은 고딕" charset="0"/>
-              </a:rPr>
-              <a:t>들리는지</a:t>
-            </a:r>
-            <a:r>
-              <a:rPr sz="1800">
-                <a:latin typeface="맑은 고딕" charset="0"/>
-                <a:ea typeface="맑은 고딕" charset="0"/>
-              </a:rPr>
-              <a:t> 확인할 수 있습니다.</a:t>
-            </a:r>
-            <a:endParaRPr lang="ko-KR" altLang="en-US" sz="1800">
-              <a:latin typeface="맑은 고딕" charset="0"/>
-              <a:ea typeface="맑은 고딕" charset="0"/>
-            </a:endParaRPr>
-          </a:p>
-        </p:txBody>
-      </p:sp>
+        <p:style>
+          <a:lnRef idx="1">
+            <a:schemeClr val="accent1"/>
+          </a:lnRef>
+          <a:fillRef idx="0">
+            <a:schemeClr val="accent1"/>
+          </a:fillRef>
+          <a:effectRef idx="0">
+            <a:schemeClr val="accent1"/>
+          </a:effectRef>
+          <a:fontRef idx="minor">
+            <a:schemeClr val="tx1"/>
+          </a:fontRef>
+        </p:style>
+      </p:cxnSp>
     </p:spTree>
   </p:cSld>
   <p:clrMapOvr>
@@ -9744,9 +9405,9 @@
           <p:nvPr/>
         </p:nvSpPr>
         <p:spPr>
-          <a:xfrm rot="0">
-            <a:off x="4339590" y="407035"/>
-            <a:ext cx="3509645" cy="478155"/>
+          <a:xfrm>
+            <a:off x="4333240" y="407035"/>
+            <a:ext cx="3536315" cy="478155"/>
           </a:xfrm>
           <a:prstGeom prst="rect"/>
           <a:noFill/>
@@ -9777,14 +9438,7 @@
                 <a:latin typeface="나눔바른고딕" charset="0"/>
                 <a:ea typeface="나눔바른고딕" charset="0"/>
               </a:rPr>
-              <a:t> </a:t>
-            </a:r>
-            <a:r>
-              <a:rPr lang="ko-KR" sz="2500" b="1">
-                <a:latin typeface="나눔바른고딕" charset="0"/>
-                <a:ea typeface="나눔바른고딕" charset="0"/>
-              </a:rPr>
-              <a:t>번째 튜토리얼</a:t>
+              <a:t> 번째 튜토리얼</a:t>
             </a:r>
             <a:endParaRPr lang="ko-KR" altLang="en-US" sz="2500" b="1">
               <a:latin typeface="나눔바른고딕" charset="0"/>
@@ -9795,17 +9449,17 @@
       </p:sp>
       <p:pic>
         <p:nvPicPr>
-          <p:cNvPr id="50" name="그림 88" descr="C:/Users/Admin1/AppData/Roaming/PolarisOffice/ETemp/26488_11137448/fImage18012297491.png"/>
+          <p:cNvPr id="29" name="그림 29" descr="C:/Users/Admin1/AppData/Roaming/PolarisOffice/ETemp/14056_22210064/fImage114812026500.png"/>
           <p:cNvPicPr>
             <a:picLocks noChangeAspect="1"/>
           </p:cNvPicPr>
           <p:nvPr/>
         </p:nvPicPr>
         <p:blipFill rotWithShape="1">
-          <a:blip r:embed="rId2" cstate="hqprint">
+          <a:blip r:embed="rId8" cstate="print">
             <a:extLst>
               <a:ext uri="{28A0092B-C50C-407E-A947-70E740481C1C}">
-                <a14:useLocalDpi xmlns:a14="http://schemas.microsoft.com/office/drawing/2010/main"/>
+                <a14:useLocalDpi xmlns:a14="http://schemas.microsoft.com/office/drawing/2010/main" val="0"/>
               </a:ext>
             </a:extLst>
           </a:blip>
@@ -9815,8 +9469,8 @@
         </p:blipFill>
         <p:spPr>
           <a:xfrm rot="0">
-            <a:off x="1388110" y="1447165"/>
-            <a:ext cx="3991610" cy="2008505"/>
+            <a:off x="1238250" y="3333115"/>
+            <a:ext cx="4128770" cy="1007745"/>
           </a:xfrm>
           <a:prstGeom prst="roundRect"/>
           <a:solidFill>
@@ -9826,7 +9480,7 @@
       </p:pic>
       <p:sp>
         <p:nvSpPr>
-          <p:cNvPr id="51" name="텍스트 상자 89"/>
+          <p:cNvPr id="30" name="텍스트 상자 32"/>
           <p:cNvSpPr txBox="1">
             <a:spLocks/>
           </p:cNvSpPr>
@@ -9834,8 +9488,8 @@
         </p:nvSpPr>
         <p:spPr>
           <a:xfrm rot="0">
-            <a:off x="1381125" y="4923790"/>
-            <a:ext cx="3999230" cy="1200785"/>
+            <a:off x="1242060" y="4448175"/>
+            <a:ext cx="4124960" cy="1754505"/>
           </a:xfrm>
           <a:prstGeom prst="rect"/>
           <a:noFill/>
@@ -9862,51 +9516,38 @@
                 <a:latin typeface="맑은 고딕" charset="0"/>
                 <a:ea typeface="맑은 고딕" charset="0"/>
               </a:rPr>
-              <a:t>1</a:t>
-            </a:r>
-            <a:r>
-              <a:rPr sz="1800" b="1">
-                <a:solidFill>
-                  <a:srgbClr val="0611F2"/>
-                </a:solidFill>
-                <a:latin typeface="맑은 고딕" charset="0"/>
-                <a:ea typeface="맑은 고딕" charset="0"/>
-              </a:rPr>
-              <a:t>5</a:t>
-            </a:r>
-            <a:r>
-              <a:rPr sz="1800" b="1">
-                <a:solidFill>
-                  <a:srgbClr val="0611F2"/>
-                </a:solidFill>
-                <a:latin typeface="맑은 고딕" charset="0"/>
-                <a:ea typeface="맑은 고딕" charset="0"/>
-              </a:rPr>
-              <a:t>.</a:t>
+              <a:t>16.</a:t>
             </a:r>
             <a:r>
               <a:rPr sz="1800">
                 <a:latin typeface="맑은 고딕" charset="0"/>
                 <a:ea typeface="맑은 고딕" charset="0"/>
               </a:rPr>
-              <a:t> 이제 Photon Voice View </a:t>
+              <a:t> 그리고 Project 폴더 아래에 있는 </a:t>
             </a:r>
             <a:r>
               <a:rPr sz="1800">
                 <a:latin typeface="맑은 고딕" charset="0"/>
                 <a:ea typeface="맑은 고딕" charset="0"/>
               </a:rPr>
-              <a:t>컴포넌트</a:t>
-            </a:r>
-            <a:r>
-              <a:rPr lang="ko-KR" sz="1800">
-                <a:latin typeface="맑은 고딕" charset="0"/>
-                <a:ea typeface="맑은 고딕" charset="0"/>
-              </a:rPr>
-              <a:t>에</a:t>
-            </a:r>
-            <a:r>
-              <a:rPr lang="ko-KR" sz="1800">
+              <a:t>Resources</a:t>
+            </a:r>
+            <a:r>
+              <a:rPr sz="1800">
+                <a:latin typeface="맑은 고딕" charset="0"/>
+                <a:ea typeface="맑은 고딕" charset="0"/>
+              </a:rPr>
+              <a:t> 폴더에 Character </a:t>
+            </a:r>
+            <a:r>
+              <a:rPr sz="1800">
+                <a:latin typeface="맑은 고딕" charset="0"/>
+                <a:ea typeface="맑은 고딕" charset="0"/>
+              </a:rPr>
+              <a:t>오브젝트를</a:t>
+            </a:r>
+            <a:r>
+              <a:rPr sz="1800">
                 <a:latin typeface="맑은 고딕" charset="0"/>
                 <a:ea typeface="맑은 고딕" charset="0"/>
               </a:rPr>
@@ -9917,129 +9558,101 @@
                 <a:latin typeface="맑은 고딕" charset="0"/>
                 <a:ea typeface="맑은 고딕" charset="0"/>
               </a:rPr>
-              <a:t>Use</a:t>
-            </a:r>
-            <a:r>
-              <a:rPr sz="1800">
-                <a:latin typeface="맑은 고딕" charset="0"/>
-                <a:ea typeface="맑은 고딕" charset="0"/>
-              </a:rPr>
-              <a:t> Primary Recorder와 </a:t>
-            </a:r>
-            <a:r>
-              <a:rPr sz="1800">
-                <a:latin typeface="맑은 고딕" charset="0"/>
-                <a:ea typeface="맑은 고딕" charset="0"/>
-              </a:rPr>
-              <a:t>Setup</a:t>
-            </a:r>
-            <a:r>
-              <a:rPr sz="1800">
-                <a:latin typeface="맑은 고딕" charset="0"/>
-                <a:ea typeface="맑은 고딕" charset="0"/>
-              </a:rPr>
-              <a:t> Debug </a:t>
-            </a:r>
-            <a:r>
-              <a:rPr sz="1800">
-                <a:latin typeface="맑은 고딕" charset="0"/>
-                <a:ea typeface="맑은 고딕" charset="0"/>
-              </a:rPr>
-              <a:t>Speaker를</a:t>
-            </a:r>
-            <a:r>
-              <a:rPr sz="1800">
-                <a:latin typeface="맑은 고딕" charset="0"/>
-                <a:ea typeface="맑은 고딕" charset="0"/>
-              </a:rPr>
-              <a:t> </a:t>
-            </a:r>
-            <a:r>
-              <a:rPr sz="1800">
-                <a:latin typeface="맑은 고딕" charset="0"/>
-                <a:ea typeface="맑은 고딕" charset="0"/>
-              </a:rPr>
-              <a:t>활성화합니</a:t>
-            </a:r>
-            <a:r>
-              <a:rPr lang="ko-KR" sz="1800">
-                <a:latin typeface="맑은 고딕" charset="0"/>
-                <a:ea typeface="맑은 고딕" charset="0"/>
-              </a:rPr>
-              <a:t>다.</a:t>
+              <a:t>선택합니다.</a:t>
             </a:r>
             <a:endParaRPr lang="ko-KR" altLang="en-US" sz="1800">
               <a:latin typeface="맑은 고딕" charset="0"/>
               <a:ea typeface="맑은 고딕" charset="0"/>
             </a:endParaRPr>
           </a:p>
+          <a:p>
+            <a:pPr marL="0" indent="0" rtl="0" algn="l" defTabSz="914400" eaLnBrk="1" latinLnBrk="0" hangingPunct="1">
+              <a:buFontTx/>
+              <a:buNone/>
+            </a:pPr>
+            <a:endParaRPr lang="ko-KR" altLang="en-US" sz="1800">
+              <a:latin typeface="맑은 고딕" charset="0"/>
+              <a:ea typeface="맑은 고딕" charset="0"/>
+            </a:endParaRPr>
+          </a:p>
+          <a:p>
+            <a:pPr marL="0" indent="0" rtl="0" algn="l" defTabSz="914400" eaLnBrk="1" latinLnBrk="0" hangingPunct="1">
+              <a:buFontTx/>
+              <a:buNone/>
+            </a:pPr>
+            <a:r>
+              <a:rPr sz="1800">
+                <a:latin typeface="맑은 고딕" charset="0"/>
+                <a:ea typeface="맑은 고딕" charset="0"/>
+              </a:rPr>
+              <a:t>그</a:t>
+            </a:r>
+            <a:r>
+              <a:rPr sz="1800">
+                <a:latin typeface="맑은 고딕" charset="0"/>
+                <a:ea typeface="맑은 고딕" charset="0"/>
+              </a:rPr>
+              <a:t>런</a:t>
+            </a:r>
+            <a:r>
+              <a:rPr sz="1800">
+                <a:latin typeface="맑은 고딕" charset="0"/>
+                <a:ea typeface="맑은 고딕" charset="0"/>
+              </a:rPr>
+              <a:t> </a:t>
+            </a:r>
+            <a:r>
+              <a:rPr sz="1800">
+                <a:latin typeface="맑은 고딕" charset="0"/>
+                <a:ea typeface="맑은 고딕" charset="0"/>
+              </a:rPr>
+              <a:t>다음 </a:t>
+            </a:r>
+            <a:r>
+              <a:rPr lang="ko-KR" sz="1800">
+                <a:latin typeface="맑은 고딕" charset="0"/>
+                <a:ea typeface="맑은 고딕" charset="0"/>
+              </a:rPr>
+              <a:t>Speaker</a:t>
+            </a:r>
+            <a:r>
+              <a:rPr lang="ko-KR" sz="1800">
+                <a:latin typeface="맑은 고딕" charset="0"/>
+                <a:ea typeface="맑은 고딕" charset="0"/>
+              </a:rPr>
+              <a:t> </a:t>
+            </a:r>
+            <a:r>
+              <a:rPr lang="ko-KR" sz="1800">
+                <a:latin typeface="맑은 고딕" charset="0"/>
+                <a:ea typeface="맑은 고딕" charset="0"/>
+              </a:rPr>
+              <a:t>In</a:t>
+            </a:r>
+            <a:r>
+              <a:rPr lang="ko-KR" sz="1800">
+                <a:latin typeface="맑은 고딕" charset="0"/>
+                <a:ea typeface="맑은 고딕" charset="0"/>
+              </a:rPr>
+              <a:t> Use에 </a:t>
+            </a:r>
+            <a:r>
+              <a:rPr lang="ko-KR" sz="1800">
+                <a:latin typeface="맑은 고딕" charset="0"/>
+                <a:ea typeface="맑은 고딕" charset="0"/>
+              </a:rPr>
+              <a:t>넣어줍니다.</a:t>
+            </a:r>
+            <a:endParaRPr lang="ko-KR" altLang="en-US" sz="1800">
+              <a:latin typeface="맑은 고딕" charset="0"/>
+              <a:ea typeface="맑은 고딕" charset="0"/>
+            </a:endParaRPr>
+          </a:p>
         </p:txBody>
       </p:sp>
       <p:pic>
         <p:nvPicPr>
-          <p:cNvPr id="52" name="그림 90" descr="C:/Users/Admin1/AppData/Roaming/PolarisOffice/ETemp/26488_11137448/fImage29452992995.png"/>
-          <p:cNvPicPr>
-            <a:picLocks noChangeAspect="1"/>
-          </p:cNvPicPr>
-          <p:nvPr/>
-        </p:nvPicPr>
-        <p:blipFill rotWithShape="1">
-          <a:blip r:embed="rId3" cstate="hqprint">
-            <a:extLst>
-              <a:ext uri="{28A0092B-C50C-407E-A947-70E740481C1C}">
-                <a14:useLocalDpi xmlns:a14="http://schemas.microsoft.com/office/drawing/2010/main"/>
-              </a:ext>
-            </a:extLst>
-          </a:blip>
-          <a:stretch>
-            <a:fillRect/>
-          </a:stretch>
-        </p:blipFill>
-        <p:spPr>
-          <a:xfrm rot="0">
-            <a:off x="1389380" y="3649345"/>
-            <a:ext cx="3990340" cy="1122680"/>
-          </a:xfrm>
-          <a:prstGeom prst="roundRect"/>
-          <a:solidFill>
-            <a:srgbClr val="EDEDED"/>
-          </a:solidFill>
-        </p:spPr>
-      </p:pic>
-      <p:pic>
-        <p:nvPicPr>
-          <p:cNvPr id="53" name="그림 30" descr="C:/Users/Admin1/AppData/Roaming/PolarisOffice/ETemp/26488_11137448/fImage180123184827.png"/>
-          <p:cNvPicPr>
-            <a:picLocks noChangeAspect="1"/>
-          </p:cNvPicPr>
-          <p:nvPr/>
-        </p:nvPicPr>
-        <p:blipFill rotWithShape="1">
-          <a:blip r:embed="rId8" cstate="hqprint">
-            <a:extLst>
-              <a:ext uri="{28A0092B-C50C-407E-A947-70E740481C1C}">
-                <a14:useLocalDpi xmlns:a14="http://schemas.microsoft.com/office/drawing/2010/main"/>
-              </a:ext>
-            </a:extLst>
-          </a:blip>
-          <a:stretch>
-            <a:fillRect/>
-          </a:stretch>
-        </p:blipFill>
-        <p:spPr>
-          <a:xfrm rot="0">
-            <a:off x="6823710" y="1445260"/>
-            <a:ext cx="4139565" cy="1845945"/>
-          </a:xfrm>
-          <a:prstGeom prst="roundRect"/>
-          <a:solidFill>
-            <a:srgbClr val="EDEDED"/>
-          </a:solidFill>
-        </p:spPr>
-      </p:pic>
-      <p:pic>
-        <p:nvPicPr>
-          <p:cNvPr id="54" name="그림 31" descr="C:/Users/Admin1/AppData/Roaming/PolarisOffice/ETemp/26488_11137448/fImage87962226500.png"/>
+          <p:cNvPr id="32" name="그림 34" descr="C:/Users/Admin1/AppData/Roaming/PolarisOffice/ETemp/14056_22210064/fImage149822059169.png"/>
           <p:cNvPicPr>
             <a:picLocks noChangeAspect="1"/>
           </p:cNvPicPr>
@@ -10059,8 +9672,8 @@
         </p:blipFill>
         <p:spPr>
           <a:xfrm rot="0">
-            <a:off x="6824345" y="3427730"/>
-            <a:ext cx="4138930" cy="1049655"/>
+            <a:off x="1238885" y="1438275"/>
+            <a:ext cx="4137025" cy="1715135"/>
           </a:xfrm>
           <a:prstGeom prst="roundRect"/>
           <a:solidFill>
@@ -10068,174 +9681,16 @@
           </a:solidFill>
         </p:spPr>
       </p:pic>
-      <p:sp>
-        <p:nvSpPr>
-          <p:cNvPr id="55" name="텍스트 상자 35"/>
-          <p:cNvSpPr txBox="1">
-            <a:spLocks/>
-          </p:cNvSpPr>
-          <p:nvPr/>
-        </p:nvSpPr>
-        <p:spPr>
-          <a:xfrm rot="0">
-            <a:off x="6823710" y="4646295"/>
-            <a:ext cx="4139565" cy="1477645"/>
-          </a:xfrm>
-          <a:prstGeom prst="rect"/>
-          <a:noFill/>
-          <a:ln w="0">
-            <a:noFill/>
-            <a:prstDash/>
-          </a:ln>
-        </p:spPr>
-        <p:txBody>
-          <a:bodyPr wrap="square" lIns="89535" tIns="46355" rIns="89535" bIns="46355" numCol="1" vert="horz" anchor="t">
-            <a:spAutoFit/>
-          </a:bodyPr>
-          <a:lstStyle/>
-          <a:p>
-            <a:pPr marL="0" indent="0" rtl="0" algn="l" defTabSz="914400" eaLnBrk="1" latinLnBrk="0" hangingPunct="1">
-              <a:buFontTx/>
-              <a:buNone/>
-            </a:pPr>
-            <a:r>
-              <a:rPr sz="1800" b="1">
-                <a:solidFill>
-                  <a:srgbClr val="0611F2"/>
-                </a:solidFill>
-                <a:latin typeface="맑은 고딕" charset="0"/>
-                <a:ea typeface="맑은 고딕" charset="0"/>
-              </a:rPr>
-              <a:t>1</a:t>
-            </a:r>
-            <a:r>
-              <a:rPr sz="1800" b="1">
-                <a:solidFill>
-                  <a:srgbClr val="0611F2"/>
-                </a:solidFill>
-                <a:latin typeface="맑은 고딕" charset="0"/>
-                <a:ea typeface="맑은 고딕" charset="0"/>
-              </a:rPr>
-              <a:t>6</a:t>
-            </a:r>
-            <a:r>
-              <a:rPr sz="1800" b="1">
-                <a:solidFill>
-                  <a:srgbClr val="0611F2"/>
-                </a:solidFill>
-                <a:latin typeface="맑은 고딕" charset="0"/>
-                <a:ea typeface="맑은 고딕" charset="0"/>
-              </a:rPr>
-              <a:t>.</a:t>
-            </a:r>
-            <a:r>
-              <a:rPr sz="1800">
-                <a:latin typeface="맑은 고딕" charset="0"/>
-                <a:ea typeface="맑은 고딕" charset="0"/>
-              </a:rPr>
-              <a:t> 그리고 Project 폴더 아래에 있는 </a:t>
-            </a:r>
-            <a:r>
-              <a:rPr sz="1800">
-                <a:latin typeface="맑은 고딕" charset="0"/>
-                <a:ea typeface="맑은 고딕" charset="0"/>
-              </a:rPr>
-              <a:t>Resources</a:t>
-            </a:r>
-            <a:r>
-              <a:rPr sz="1800">
-                <a:latin typeface="맑은 고딕" charset="0"/>
-                <a:ea typeface="맑은 고딕" charset="0"/>
-              </a:rPr>
-              <a:t> 폴더에 Character </a:t>
-            </a:r>
-            <a:r>
-              <a:rPr sz="1800">
-                <a:latin typeface="맑은 고딕" charset="0"/>
-                <a:ea typeface="맑은 고딕" charset="0"/>
-              </a:rPr>
-              <a:t>오브젝트</a:t>
-            </a:r>
-            <a:r>
-              <a:rPr sz="1800">
-                <a:latin typeface="맑은 고딕" charset="0"/>
-                <a:ea typeface="맑은 고딕" charset="0"/>
-              </a:rPr>
-              <a:t>를</a:t>
-            </a:r>
-            <a:r>
-              <a:rPr sz="1800">
-                <a:latin typeface="맑은 고딕" charset="0"/>
-                <a:ea typeface="맑은 고딕" charset="0"/>
-              </a:rPr>
-              <a:t> </a:t>
-            </a:r>
-            <a:r>
-              <a:rPr sz="1800">
-                <a:latin typeface="맑은 고딕" charset="0"/>
-                <a:ea typeface="맑은 고딕" charset="0"/>
-              </a:rPr>
-              <a:t>Photon Voice View </a:t>
-            </a:r>
-            <a:r>
-              <a:rPr sz="1800">
-                <a:latin typeface="맑은 고딕" charset="0"/>
-                <a:ea typeface="맑은 고딕" charset="0"/>
-              </a:rPr>
-              <a:t>컴포넌트</a:t>
-            </a:r>
-            <a:r>
-              <a:rPr lang="ko-KR" sz="1800">
-                <a:latin typeface="맑은 고딕" charset="0"/>
-                <a:ea typeface="맑은 고딕" charset="0"/>
-              </a:rPr>
-              <a:t>의</a:t>
-            </a:r>
-            <a:r>
-              <a:rPr lang="ko-KR" sz="1800">
-                <a:latin typeface="맑은 고딕" charset="0"/>
-                <a:ea typeface="맑은 고딕" charset="0"/>
-              </a:rPr>
-              <a:t> </a:t>
-            </a:r>
-            <a:r>
-              <a:rPr lang="ko-KR" sz="1800">
-                <a:latin typeface="맑은 고딕" charset="0"/>
-                <a:ea typeface="맑은 고딕" charset="0"/>
-              </a:rPr>
-              <a:t>Speaker In Use에 </a:t>
-            </a:r>
-            <a:r>
-              <a:rPr lang="ko-KR" sz="1800">
-                <a:latin typeface="맑은 고딕" charset="0"/>
-                <a:ea typeface="맑은 고딕" charset="0"/>
-              </a:rPr>
-              <a:t>넣어줍니</a:t>
-            </a:r>
-            <a:r>
-              <a:rPr lang="ko-KR" sz="1800">
-                <a:latin typeface="맑은 고딕" charset="0"/>
-                <a:ea typeface="맑은 고딕" charset="0"/>
-              </a:rPr>
-              <a:t>다.</a:t>
-            </a:r>
-            <a:endParaRPr lang="ko-KR" altLang="en-US" sz="1800">
-              <a:latin typeface="맑은 고딕" charset="0"/>
-              <a:ea typeface="맑은 고딕" charset="0"/>
-            </a:endParaRPr>
-          </a:p>
-        </p:txBody>
-      </p:sp>
       <p:cxnSp>
         <p:nvCxnSpPr>
-          <p:cNvPr id="56" name="도형 36"/>
+          <p:cNvPr id="31" name="도형 33"/>
           <p:cNvCxnSpPr/>
           <p:nvPr/>
         </p:nvCxnSpPr>
         <p:spPr>
           <a:xfrm rot="0" flipV="1">
-            <a:off x="8867140" y="2442210"/>
-            <a:ext cx="1983740" cy="1256030"/>
+            <a:off x="2067560" y="2394585"/>
+            <a:ext cx="3161665" cy="1387475"/>
           </a:xfrm>
           <a:prstGeom prst="straightConnector1"/>
           <a:ln w="6350" cap="flat" cmpd="sng">
@@ -10259,6 +9714,233 @@
           </a:fontRef>
         </p:style>
       </p:cxnSp>
+      <p:pic>
+        <p:nvPicPr>
+          <p:cNvPr id="33" name="그림 37" descr="C:/Users/Admin1/AppData/Roaming/PolarisOffice/ETemp/14056_22210064/fImage18012297491.png"/>
+          <p:cNvPicPr>
+            <a:picLocks noChangeAspect="1"/>
+          </p:cNvPicPr>
+          <p:nvPr/>
+        </p:nvPicPr>
+        <p:blipFill rotWithShape="1">
+          <a:blip r:embed="rId10" cstate="hqprint">
+            <a:extLst>
+              <a:ext uri="{28A0092B-C50C-407E-A947-70E740481C1C}">
+                <a14:useLocalDpi xmlns:a14="http://schemas.microsoft.com/office/drawing/2010/main"/>
+              </a:ext>
+            </a:extLst>
+          </a:blip>
+          <a:stretch>
+            <a:fillRect/>
+          </a:stretch>
+        </p:blipFill>
+        <p:spPr>
+          <a:xfrm rot="0">
+            <a:off x="6822440" y="1438275"/>
+            <a:ext cx="4135120" cy="2464435"/>
+          </a:xfrm>
+          <a:prstGeom prst="roundRect"/>
+          <a:solidFill>
+            <a:srgbClr val="EDEDED"/>
+          </a:solidFill>
+        </p:spPr>
+      </p:pic>
+      <p:sp>
+        <p:nvSpPr>
+          <p:cNvPr id="34" name="텍스트 상자 38"/>
+          <p:cNvSpPr txBox="1">
+            <a:spLocks/>
+          </p:cNvSpPr>
+          <p:nvPr/>
+        </p:nvSpPr>
+        <p:spPr>
+          <a:xfrm rot="0">
+            <a:off x="6831965" y="5276850"/>
+            <a:ext cx="4159885" cy="923925"/>
+          </a:xfrm>
+          <a:prstGeom prst="rect"/>
+          <a:noFill/>
+          <a:ln w="0">
+            <a:noFill/>
+            <a:prstDash/>
+          </a:ln>
+        </p:spPr>
+        <p:txBody>
+          <a:bodyPr wrap="square" lIns="89535" tIns="46355" rIns="89535" bIns="46355" numCol="1" vert="horz" anchor="t">
+            <a:spAutoFit/>
+          </a:bodyPr>
+          <a:lstStyle/>
+          <a:p>
+            <a:pPr marL="0" indent="0" rtl="0" algn="l" defTabSz="914400" eaLnBrk="1" latinLnBrk="0" hangingPunct="1">
+              <a:buFontTx/>
+              <a:buNone/>
+            </a:pPr>
+            <a:r>
+              <a:rPr sz="1800" b="1">
+                <a:solidFill>
+                  <a:srgbClr val="0611F2"/>
+                </a:solidFill>
+                <a:latin typeface="맑은 고딕" charset="0"/>
+                <a:ea typeface="맑은 고딕" charset="0"/>
+              </a:rPr>
+              <a:t>1</a:t>
+            </a:r>
+            <a:r>
+              <a:rPr sz="1800" b="1">
+                <a:solidFill>
+                  <a:srgbClr val="0611F2"/>
+                </a:solidFill>
+                <a:latin typeface="맑은 고딕" charset="0"/>
+                <a:ea typeface="맑은 고딕" charset="0"/>
+              </a:rPr>
+              <a:t>7</a:t>
+            </a:r>
+            <a:r>
+              <a:rPr sz="1800" b="1">
+                <a:solidFill>
+                  <a:srgbClr val="0611F2"/>
+                </a:solidFill>
+                <a:latin typeface="맑은 고딕" charset="0"/>
+                <a:ea typeface="맑은 고딕" charset="0"/>
+              </a:rPr>
+              <a:t>.</a:t>
+            </a:r>
+            <a:r>
+              <a:rPr sz="1800">
+                <a:latin typeface="맑은 고딕" charset="0"/>
+                <a:ea typeface="맑은 고딕" charset="0"/>
+              </a:rPr>
+              <a:t> 그다음 Photon Voice View </a:t>
+            </a:r>
+            <a:r>
+              <a:rPr sz="1800">
+                <a:latin typeface="맑은 고딕" charset="0"/>
+                <a:ea typeface="맑은 고딕" charset="0"/>
+              </a:rPr>
+              <a:t>컴포넌트</a:t>
+            </a:r>
+            <a:r>
+              <a:rPr lang="ko-KR" sz="1800">
+                <a:latin typeface="맑은 고딕" charset="0"/>
+                <a:ea typeface="맑은 고딕" charset="0"/>
+              </a:rPr>
+              <a:t>에</a:t>
+            </a:r>
+            <a:r>
+              <a:rPr lang="ko-KR" sz="1800">
+                <a:latin typeface="맑은 고딕" charset="0"/>
+                <a:ea typeface="맑은 고딕" charset="0"/>
+              </a:rPr>
+              <a:t> </a:t>
+            </a:r>
+            <a:r>
+              <a:rPr sz="1800">
+                <a:latin typeface="맑은 고딕" charset="0"/>
+                <a:ea typeface="맑은 고딕" charset="0"/>
+              </a:rPr>
+              <a:t>Use</a:t>
+            </a:r>
+            <a:r>
+              <a:rPr sz="1800">
+                <a:latin typeface="맑은 고딕" charset="0"/>
+                <a:ea typeface="맑은 고딕" charset="0"/>
+              </a:rPr>
+              <a:t> </a:t>
+            </a:r>
+            <a:r>
+              <a:rPr sz="1800">
+                <a:latin typeface="맑은 고딕" charset="0"/>
+                <a:ea typeface="맑은 고딕" charset="0"/>
+              </a:rPr>
+              <a:t>Primary</a:t>
+            </a:r>
+            <a:r>
+              <a:rPr sz="1800">
+                <a:latin typeface="맑은 고딕" charset="0"/>
+                <a:ea typeface="맑은 고딕" charset="0"/>
+              </a:rPr>
+              <a:t> Recorder와 </a:t>
+            </a:r>
+            <a:r>
+              <a:rPr sz="1800">
+                <a:latin typeface="맑은 고딕" charset="0"/>
+                <a:ea typeface="맑은 고딕" charset="0"/>
+              </a:rPr>
+              <a:t>Setup</a:t>
+            </a:r>
+            <a:r>
+              <a:rPr sz="1800">
+                <a:latin typeface="맑은 고딕" charset="0"/>
+                <a:ea typeface="맑은 고딕" charset="0"/>
+              </a:rPr>
+              <a:t> Debug </a:t>
+            </a:r>
+            <a:r>
+              <a:rPr sz="1800">
+                <a:latin typeface="맑은 고딕" charset="0"/>
+                <a:ea typeface="맑은 고딕" charset="0"/>
+              </a:rPr>
+              <a:t>Speaker를</a:t>
+            </a:r>
+            <a:r>
+              <a:rPr sz="1800">
+                <a:latin typeface="맑은 고딕" charset="0"/>
+                <a:ea typeface="맑은 고딕" charset="0"/>
+              </a:rPr>
+              <a:t> </a:t>
+            </a:r>
+            <a:r>
+              <a:rPr sz="1800">
+                <a:latin typeface="맑은 고딕" charset="0"/>
+                <a:ea typeface="맑은 고딕" charset="0"/>
+              </a:rPr>
+              <a:t>활성화합니</a:t>
+            </a:r>
+            <a:r>
+              <a:rPr lang="ko-KR" sz="1800">
+                <a:latin typeface="맑은 고딕" charset="0"/>
+                <a:ea typeface="맑은 고딕" charset="0"/>
+              </a:rPr>
+              <a:t>다.</a:t>
+            </a:r>
+            <a:endParaRPr lang="ko-KR" altLang="en-US" sz="1800">
+              <a:latin typeface="맑은 고딕" charset="0"/>
+              <a:ea typeface="맑은 고딕" charset="0"/>
+            </a:endParaRPr>
+          </a:p>
+        </p:txBody>
+      </p:sp>
+      <p:pic>
+        <p:nvPicPr>
+          <p:cNvPr id="35" name="그림 39" descr="C:/Users/Admin1/AppData/Roaming/PolarisOffice/ETemp/14056_22210064/fImage29452992995.png"/>
+          <p:cNvPicPr>
+            <a:picLocks noChangeAspect="1"/>
+          </p:cNvPicPr>
+          <p:nvPr/>
+        </p:nvPicPr>
+        <p:blipFill rotWithShape="1">
+          <a:blip r:embed="rId11" cstate="hqprint">
+            <a:extLst>
+              <a:ext uri="{28A0092B-C50C-407E-A947-70E740481C1C}">
+                <a14:useLocalDpi xmlns:a14="http://schemas.microsoft.com/office/drawing/2010/main"/>
+              </a:ext>
+            </a:extLst>
+          </a:blip>
+          <a:stretch>
+            <a:fillRect/>
+          </a:stretch>
+        </p:blipFill>
+        <p:spPr>
+          <a:xfrm rot="0">
+            <a:off x="6823710" y="4098925"/>
+            <a:ext cx="4142105" cy="999490"/>
+          </a:xfrm>
+          <a:prstGeom prst="roundRect"/>
+          <a:solidFill>
+            <a:srgbClr val="EDEDED"/>
+          </a:solidFill>
+        </p:spPr>
+      </p:pic>
     </p:spTree>
   </p:cSld>
   <p:clrMapOvr>
